--- a/2.24.21 Lab 1 Update.pptx
+++ b/2.24.21 Lab 1 Update.pptx
@@ -5,7 +5,7 @@
     <p:sldMasterId id="2147483659" r:id="rId1"/>
   </p:sldMasterIdLst>
   <p:notesMasterIdLst>
-    <p:notesMasterId r:id="rId12"/>
+    <p:notesMasterId r:id="rId13"/>
   </p:notesMasterIdLst>
   <p:sldIdLst>
     <p:sldId id="287" r:id="rId2"/>
@@ -17,36 +17,37 @@
     <p:sldId id="289" r:id="rId8"/>
     <p:sldId id="293" r:id="rId9"/>
     <p:sldId id="264" r:id="rId10"/>
-    <p:sldId id="294" r:id="rId11"/>
+    <p:sldId id="295" r:id="rId11"/>
+    <p:sldId id="294" r:id="rId12"/>
   </p:sldIdLst>
   <p:sldSz cx="9144000" cy="5143500" type="screen16x9"/>
   <p:notesSz cx="6858000" cy="9144000"/>
   <p:embeddedFontLst>
     <p:embeddedFont>
       <p:font typeface="Barlow" panose="020B0604020202020204" charset="0"/>
-      <p:regular r:id="rId13"/>
-      <p:bold r:id="rId14"/>
-      <p:italic r:id="rId15"/>
-      <p:boldItalic r:id="rId16"/>
+      <p:regular r:id="rId14"/>
+      <p:bold r:id="rId15"/>
+      <p:italic r:id="rId16"/>
+      <p:boldItalic r:id="rId17"/>
     </p:embeddedFont>
     <p:embeddedFont>
       <p:font typeface="Barlow Light" panose="020B0604020202020204" charset="0"/>
-      <p:regular r:id="rId17"/>
-      <p:bold r:id="rId18"/>
-      <p:italic r:id="rId19"/>
-      <p:boldItalic r:id="rId20"/>
+      <p:regular r:id="rId18"/>
+      <p:bold r:id="rId19"/>
+      <p:italic r:id="rId20"/>
+      <p:boldItalic r:id="rId21"/>
     </p:embeddedFont>
     <p:embeddedFont>
       <p:font typeface="Calibri" panose="020F0502020204030204" pitchFamily="34" charset="0"/>
-      <p:regular r:id="rId21"/>
-      <p:bold r:id="rId22"/>
-      <p:italic r:id="rId23"/>
-      <p:boldItalic r:id="rId24"/>
+      <p:regular r:id="rId22"/>
+      <p:bold r:id="rId23"/>
+      <p:italic r:id="rId24"/>
+      <p:boldItalic r:id="rId25"/>
     </p:embeddedFont>
     <p:embeddedFont>
       <p:font typeface="Miriam Libre" panose="020B0604020202020204" charset="-79"/>
-      <p:regular r:id="rId25"/>
-      <p:bold r:id="rId26"/>
+      <p:regular r:id="rId26"/>
+      <p:bold r:id="rId27"/>
     </p:embeddedFont>
   </p:embeddedFontLst>
   <p:defaultTextStyle>
@@ -1253,6 +1254,115 @@
 </file>
 
 <file path=ppt/notesSlides/notesSlide6.xml><?xml version="1.0" encoding="utf-8"?>
+<p:notes xmlns:a="http://schemas.openxmlformats.org/drawingml/2006/main" xmlns:r="http://schemas.openxmlformats.org/officeDocument/2006/relationships" xmlns:p="http://schemas.openxmlformats.org/presentationml/2006/main" showMasterSp="0" showMasterPhAnim="0">
+  <p:cSld>
+    <p:spTree>
+      <p:nvGrpSpPr>
+        <p:cNvPr id="1" name="Shape 303"/>
+        <p:cNvGrpSpPr/>
+        <p:nvPr/>
+      </p:nvGrpSpPr>
+      <p:grpSpPr>
+        <a:xfrm>
+          <a:off x="0" y="0"/>
+          <a:ext cx="0" cy="0"/>
+          <a:chOff x="0" y="0"/>
+          <a:chExt cx="0" cy="0"/>
+        </a:xfrm>
+      </p:grpSpPr>
+      <p:sp>
+        <p:nvSpPr>
+          <p:cNvPr id="304" name="Google Shape;304;g35f391192_045:notes"/>
+          <p:cNvSpPr>
+            <a:spLocks noGrp="1" noRot="1" noChangeAspect="1"/>
+          </p:cNvSpPr>
+          <p:nvPr>
+            <p:ph type="sldImg" idx="2"/>
+          </p:nvPr>
+        </p:nvSpPr>
+        <p:spPr>
+          <a:xfrm>
+            <a:off x="381000" y="685800"/>
+            <a:ext cx="6096000" cy="3429000"/>
+          </a:xfrm>
+          <a:custGeom>
+            <a:avLst/>
+            <a:gdLst/>
+            <a:ahLst/>
+            <a:cxnLst/>
+            <a:rect l="l" t="t" r="r" b="b"/>
+            <a:pathLst>
+              <a:path w="120000" h="120000" extrusionOk="0">
+                <a:moveTo>
+                  <a:pt x="0" y="0"/>
+                </a:moveTo>
+                <a:lnTo>
+                  <a:pt x="120000" y="0"/>
+                </a:lnTo>
+                <a:lnTo>
+                  <a:pt x="120000" y="120000"/>
+                </a:lnTo>
+                <a:lnTo>
+                  <a:pt x="0" y="120000"/>
+                </a:lnTo>
+                <a:close/>
+              </a:path>
+            </a:pathLst>
+          </a:custGeom>
+        </p:spPr>
+      </p:sp>
+      <p:sp>
+        <p:nvSpPr>
+          <p:cNvPr id="305" name="Google Shape;305;g35f391192_045:notes"/>
+          <p:cNvSpPr txBox="1">
+            <a:spLocks noGrp="1"/>
+          </p:cNvSpPr>
+          <p:nvPr>
+            <p:ph type="body" idx="1"/>
+          </p:nvPr>
+        </p:nvSpPr>
+        <p:spPr>
+          <a:xfrm>
+            <a:off x="685800" y="4343400"/>
+            <a:ext cx="5486400" cy="4114800"/>
+          </a:xfrm>
+          <a:prstGeom prst="rect">
+            <a:avLst/>
+          </a:prstGeom>
+        </p:spPr>
+        <p:txBody>
+          <a:bodyPr spcFirstLastPara="1" wrap="square" lIns="91425" tIns="91425" rIns="91425" bIns="91425" anchor="t" anchorCtr="0">
+            <a:noAutofit/>
+          </a:bodyPr>
+          <a:lstStyle/>
+          <a:p>
+            <a:pPr marL="0" lvl="0" indent="0" algn="l" rtl="0">
+              <a:spcBef>
+                <a:spcPts val="0"/>
+              </a:spcBef>
+              <a:spcAft>
+                <a:spcPts val="0"/>
+              </a:spcAft>
+              <a:buNone/>
+            </a:pPr>
+            <a:endParaRPr/>
+          </a:p>
+        </p:txBody>
+      </p:sp>
+    </p:spTree>
+    <p:extLst>
+      <p:ext uri="{BB962C8B-B14F-4D97-AF65-F5344CB8AC3E}">
+        <p14:creationId xmlns:p14="http://schemas.microsoft.com/office/powerpoint/2010/main" val="4025643616"/>
+      </p:ext>
+    </p:extLst>
+  </p:cSld>
+  <p:clrMapOvr>
+    <a:masterClrMapping/>
+  </p:clrMapOvr>
+</p:notes>
+</file>
+
+<file path=ppt/notesSlides/notesSlide7.xml><?xml version="1.0" encoding="utf-8"?>
 <p:notes xmlns:a="http://schemas.openxmlformats.org/drawingml/2006/main" xmlns:r="http://schemas.openxmlformats.org/officeDocument/2006/relationships" xmlns:p="http://schemas.openxmlformats.org/presentationml/2006/main" showMasterSp="0" showMasterPhAnim="0">
   <p:cSld>
     <p:spTree>
@@ -22139,6 +22249,230 @@
   <p:cSld>
     <p:spTree>
       <p:nvGrpSpPr>
+        <p:cNvPr id="1" name="Shape 306"/>
+        <p:cNvGrpSpPr/>
+        <p:nvPr/>
+      </p:nvGrpSpPr>
+      <p:grpSpPr>
+        <a:xfrm>
+          <a:off x="0" y="0"/>
+          <a:ext cx="0" cy="0"/>
+          <a:chOff x="0" y="0"/>
+          <a:chExt cx="0" cy="0"/>
+        </a:xfrm>
+      </p:grpSpPr>
+      <p:sp>
+        <p:nvSpPr>
+          <p:cNvPr id="307" name="Google Shape;307;p21"/>
+          <p:cNvSpPr txBox="1">
+            <a:spLocks noGrp="1"/>
+          </p:cNvSpPr>
+          <p:nvPr>
+            <p:ph type="title"/>
+          </p:nvPr>
+        </p:nvSpPr>
+        <p:spPr>
+          <a:xfrm>
+            <a:off x="457200" y="586975"/>
+            <a:ext cx="5138700" cy="857400"/>
+          </a:xfrm>
+          <a:prstGeom prst="rect">
+            <a:avLst/>
+          </a:prstGeom>
+        </p:spPr>
+        <p:txBody>
+          <a:bodyPr spcFirstLastPara="1" wrap="square" lIns="91425" tIns="91425" rIns="91425" bIns="91425" anchor="b" anchorCtr="0">
+            <a:noAutofit/>
+          </a:bodyPr>
+          <a:lstStyle/>
+          <a:p>
+            <a:pPr marL="0" lvl="0" indent="0" algn="l" rtl="0">
+              <a:spcBef>
+                <a:spcPts val="0"/>
+              </a:spcBef>
+              <a:spcAft>
+                <a:spcPts val="0"/>
+              </a:spcAft>
+              <a:buNone/>
+            </a:pPr>
+            <a:r>
+              <a:rPr lang="en" dirty="0"/>
+              <a:t>Scheduling Approach</a:t>
+            </a:r>
+            <a:endParaRPr dirty="0"/>
+          </a:p>
+        </p:txBody>
+      </p:sp>
+      <p:sp>
+        <p:nvSpPr>
+          <p:cNvPr id="308" name="Google Shape;308;p21"/>
+          <p:cNvSpPr txBox="1">
+            <a:spLocks noGrp="1"/>
+          </p:cNvSpPr>
+          <p:nvPr>
+            <p:ph type="body" idx="1"/>
+          </p:nvPr>
+        </p:nvSpPr>
+        <p:spPr>
+          <a:xfrm>
+            <a:off x="457199" y="1661575"/>
+            <a:ext cx="5385547" cy="3055200"/>
+          </a:xfrm>
+          <a:prstGeom prst="rect">
+            <a:avLst/>
+          </a:prstGeom>
+        </p:spPr>
+        <p:txBody>
+          <a:bodyPr spcFirstLastPara="1" wrap="square" lIns="91425" tIns="91425" rIns="91425" bIns="91425" anchor="t" anchorCtr="0">
+            <a:noAutofit/>
+          </a:bodyPr>
+          <a:lstStyle/>
+          <a:p>
+            <a:pPr>
+              <a:buClrTx/>
+              <a:buFont typeface="Arial" panose="020B0604020202020204" pitchFamily="34" charset="0"/>
+              <a:buChar char="•"/>
+            </a:pPr>
+            <a:r>
+              <a:rPr lang="en-US" sz="1600" dirty="0"/>
+              <a:t>Application – data processor and transmitter </a:t>
+            </a:r>
+          </a:p>
+          <a:p>
+            <a:pPr lvl="1">
+              <a:buClrTx/>
+              <a:buFont typeface="Arial" panose="020B0604020202020204" pitchFamily="34" charset="0"/>
+              <a:buChar char="•"/>
+            </a:pPr>
+            <a:r>
+              <a:rPr lang="en-US" sz="1600" dirty="0"/>
+              <a:t>Frequent UART Tx calls with many bytes of data in main()</a:t>
+            </a:r>
+          </a:p>
+          <a:p>
+            <a:pPr>
+              <a:buClrTx/>
+              <a:buFont typeface="Arial" panose="020B0604020202020204" pitchFamily="34" charset="0"/>
+              <a:buChar char="•"/>
+            </a:pPr>
+            <a:r>
+              <a:rPr lang="en-US" sz="1600" dirty="0"/>
+              <a:t>In general, favoring interrupts over polling…</a:t>
+            </a:r>
+          </a:p>
+          <a:p>
+            <a:pPr lvl="1">
+              <a:buClrTx/>
+              <a:buFont typeface="Arial" panose="020B0604020202020204" pitchFamily="34" charset="0"/>
+              <a:buChar char="•"/>
+            </a:pPr>
+            <a:r>
+              <a:rPr lang="en-US" sz="1600" dirty="0"/>
+              <a:t>Allows code to prioritize interrupt events &amp; react quicker to user input</a:t>
+            </a:r>
+          </a:p>
+          <a:p>
+            <a:pPr lvl="1">
+              <a:buClrTx/>
+              <a:buFont typeface="Arial" panose="020B0604020202020204" pitchFamily="34" charset="0"/>
+              <a:buChar char="•"/>
+            </a:pPr>
+            <a:r>
+              <a:rPr lang="en-US" sz="1600" dirty="0"/>
+              <a:t>Offloads to hardware to reduce load on software for situations with a ‘busy’ main()</a:t>
+            </a:r>
+          </a:p>
+          <a:p>
+            <a:pPr lvl="1">
+              <a:buClrTx/>
+              <a:buFont typeface="Arial" panose="020B0604020202020204" pitchFamily="34" charset="0"/>
+              <a:buChar char="•"/>
+            </a:pPr>
+            <a:r>
+              <a:rPr lang="en-US" sz="1600" dirty="0"/>
+              <a:t>Reduces cycle time</a:t>
+            </a:r>
+          </a:p>
+          <a:p>
+            <a:pPr lvl="1">
+              <a:buClrTx/>
+              <a:buFont typeface="Arial" panose="020B0604020202020204" pitchFamily="34" charset="0"/>
+              <a:buChar char="•"/>
+            </a:pPr>
+            <a:r>
+              <a:rPr lang="en-US" sz="1600" dirty="0"/>
+              <a:t>Utilizes more components of the MCU</a:t>
+            </a:r>
+          </a:p>
+          <a:p>
+            <a:pPr marL="609600" lvl="1" indent="0">
+              <a:buClrTx/>
+              <a:buNone/>
+            </a:pPr>
+            <a:endParaRPr lang="en-US" sz="1600" dirty="0"/>
+          </a:p>
+        </p:txBody>
+      </p:sp>
+      <p:sp>
+        <p:nvSpPr>
+          <p:cNvPr id="311" name="Google Shape;311;p21"/>
+          <p:cNvSpPr txBox="1">
+            <a:spLocks noGrp="1"/>
+          </p:cNvSpPr>
+          <p:nvPr>
+            <p:ph type="sldNum" idx="12"/>
+          </p:nvPr>
+        </p:nvSpPr>
+        <p:spPr>
+          <a:xfrm>
+            <a:off x="8808000" y="2208175"/>
+            <a:ext cx="336000" cy="727200"/>
+          </a:xfrm>
+          <a:prstGeom prst="rect">
+            <a:avLst/>
+          </a:prstGeom>
+        </p:spPr>
+        <p:txBody>
+          <a:bodyPr spcFirstLastPara="1" wrap="square" lIns="91425" tIns="91425" rIns="91425" bIns="91425" anchor="ctr" anchorCtr="0">
+            <a:noAutofit/>
+          </a:bodyPr>
+          <a:lstStyle/>
+          <a:p>
+            <a:pPr marL="0" lvl="0" indent="0" algn="ctr" rtl="0">
+              <a:spcBef>
+                <a:spcPts val="0"/>
+              </a:spcBef>
+              <a:spcAft>
+                <a:spcPts val="0"/>
+              </a:spcAft>
+              <a:buNone/>
+            </a:pPr>
+            <a:fld id="{00000000-1234-1234-1234-123412341234}" type="slidenum">
+              <a:rPr lang="en"/>
+              <a:t>10</a:t>
+            </a:fld>
+            <a:endParaRPr dirty="0"/>
+          </a:p>
+        </p:txBody>
+      </p:sp>
+    </p:spTree>
+    <p:extLst>
+      <p:ext uri="{BB962C8B-B14F-4D97-AF65-F5344CB8AC3E}">
+        <p14:creationId xmlns:p14="http://schemas.microsoft.com/office/powerpoint/2010/main" val="1545833516"/>
+      </p:ext>
+    </p:extLst>
+  </p:cSld>
+  <p:clrMapOvr>
+    <a:masterClrMapping/>
+  </p:clrMapOvr>
+</p:sld>
+</file>
+
+<file path=ppt/slides/slide11.xml><?xml version="1.0" encoding="utf-8"?>
+<p:sld xmlns:a="http://schemas.openxmlformats.org/drawingml/2006/main" xmlns:r="http://schemas.openxmlformats.org/officeDocument/2006/relationships" xmlns:p="http://schemas.openxmlformats.org/presentationml/2006/main">
+  <p:cSld>
+    <p:spTree>
+      <p:nvGrpSpPr>
         <p:cNvPr id="1" name="Shape 267"/>
         <p:cNvGrpSpPr/>
         <p:nvPr/>

--- a/2.24.21 Lab 1 Update.pptx
+++ b/2.24.21 Lab 1 Update.pptx
@@ -5,49 +5,53 @@
     <p:sldMasterId id="2147483659" r:id="rId1"/>
   </p:sldMasterIdLst>
   <p:notesMasterIdLst>
-    <p:notesMasterId r:id="rId13"/>
+    <p:notesMasterId r:id="rId17"/>
   </p:notesMasterIdLst>
   <p:sldIdLst>
     <p:sldId id="287" r:id="rId2"/>
     <p:sldId id="257" r:id="rId3"/>
     <p:sldId id="288" r:id="rId4"/>
-    <p:sldId id="259" r:id="rId5"/>
-    <p:sldId id="260" r:id="rId6"/>
-    <p:sldId id="290" r:id="rId7"/>
-    <p:sldId id="289" r:id="rId8"/>
-    <p:sldId id="293" r:id="rId9"/>
-    <p:sldId id="264" r:id="rId10"/>
-    <p:sldId id="295" r:id="rId11"/>
-    <p:sldId id="294" r:id="rId12"/>
+    <p:sldId id="298" r:id="rId5"/>
+    <p:sldId id="299" r:id="rId6"/>
+    <p:sldId id="297" r:id="rId7"/>
+    <p:sldId id="259" r:id="rId8"/>
+    <p:sldId id="296" r:id="rId9"/>
+    <p:sldId id="260" r:id="rId10"/>
+    <p:sldId id="290" r:id="rId11"/>
+    <p:sldId id="289" r:id="rId12"/>
+    <p:sldId id="293" r:id="rId13"/>
+    <p:sldId id="264" r:id="rId14"/>
+    <p:sldId id="295" r:id="rId15"/>
+    <p:sldId id="294" r:id="rId16"/>
   </p:sldIdLst>
   <p:sldSz cx="9144000" cy="5143500" type="screen16x9"/>
   <p:notesSz cx="6858000" cy="9144000"/>
   <p:embeddedFontLst>
     <p:embeddedFont>
       <p:font typeface="Barlow" panose="020B0604020202020204" charset="0"/>
-      <p:regular r:id="rId14"/>
-      <p:bold r:id="rId15"/>
-      <p:italic r:id="rId16"/>
-      <p:boldItalic r:id="rId17"/>
-    </p:embeddedFont>
-    <p:embeddedFont>
-      <p:font typeface="Barlow Light" panose="020B0604020202020204" charset="0"/>
       <p:regular r:id="rId18"/>
       <p:bold r:id="rId19"/>
       <p:italic r:id="rId20"/>
       <p:boldItalic r:id="rId21"/>
     </p:embeddedFont>
     <p:embeddedFont>
-      <p:font typeface="Calibri" panose="020F0502020204030204" pitchFamily="34" charset="0"/>
+      <p:font typeface="Barlow Light" panose="020B0604020202020204" charset="0"/>
       <p:regular r:id="rId22"/>
       <p:bold r:id="rId23"/>
       <p:italic r:id="rId24"/>
       <p:boldItalic r:id="rId25"/>
     </p:embeddedFont>
     <p:embeddedFont>
-      <p:font typeface="Miriam Libre" panose="020B0604020202020204" charset="-79"/>
+      <p:font typeface="Calibri" panose="020F0502020204030204" pitchFamily="34" charset="0"/>
       <p:regular r:id="rId26"/>
       <p:bold r:id="rId27"/>
+      <p:italic r:id="rId28"/>
+      <p:boldItalic r:id="rId29"/>
+    </p:embeddedFont>
+    <p:embeddedFont>
+      <p:font typeface="Miriam Libre" panose="020B0604020202020204" charset="-79"/>
+      <p:regular r:id="rId30"/>
+      <p:bold r:id="rId31"/>
     </p:embeddedFont>
   </p:embeddedFontLst>
   <p:defaultTextStyle>
@@ -832,6 +836,115 @@
 </p:notes>
 </file>
 
+<file path=ppt/notesSlides/notesSlide10.xml><?xml version="1.0" encoding="utf-8"?>
+<p:notes xmlns:a="http://schemas.openxmlformats.org/drawingml/2006/main" xmlns:r="http://schemas.openxmlformats.org/officeDocument/2006/relationships" xmlns:p="http://schemas.openxmlformats.org/presentationml/2006/main" showMasterSp="0" showMasterPhAnim="0">
+  <p:cSld>
+    <p:spTree>
+      <p:nvGrpSpPr>
+        <p:cNvPr id="1" name="Shape 264"/>
+        <p:cNvGrpSpPr/>
+        <p:nvPr/>
+      </p:nvGrpSpPr>
+      <p:grpSpPr>
+        <a:xfrm>
+          <a:off x="0" y="0"/>
+          <a:ext cx="0" cy="0"/>
+          <a:chOff x="0" y="0"/>
+          <a:chExt cx="0" cy="0"/>
+        </a:xfrm>
+      </p:grpSpPr>
+      <p:sp>
+        <p:nvSpPr>
+          <p:cNvPr id="265" name="Google Shape;265;g35f391192_029:notes"/>
+          <p:cNvSpPr>
+            <a:spLocks noGrp="1" noRot="1" noChangeAspect="1"/>
+          </p:cNvSpPr>
+          <p:nvPr>
+            <p:ph type="sldImg" idx="2"/>
+          </p:nvPr>
+        </p:nvSpPr>
+        <p:spPr>
+          <a:xfrm>
+            <a:off x="381000" y="685800"/>
+            <a:ext cx="6096000" cy="3429000"/>
+          </a:xfrm>
+          <a:custGeom>
+            <a:avLst/>
+            <a:gdLst/>
+            <a:ahLst/>
+            <a:cxnLst/>
+            <a:rect l="l" t="t" r="r" b="b"/>
+            <a:pathLst>
+              <a:path w="120000" h="120000" extrusionOk="0">
+                <a:moveTo>
+                  <a:pt x="0" y="0"/>
+                </a:moveTo>
+                <a:lnTo>
+                  <a:pt x="120000" y="0"/>
+                </a:lnTo>
+                <a:lnTo>
+                  <a:pt x="120000" y="120000"/>
+                </a:lnTo>
+                <a:lnTo>
+                  <a:pt x="0" y="120000"/>
+                </a:lnTo>
+                <a:close/>
+              </a:path>
+            </a:pathLst>
+          </a:custGeom>
+        </p:spPr>
+      </p:sp>
+      <p:sp>
+        <p:nvSpPr>
+          <p:cNvPr id="266" name="Google Shape;266;g35f391192_029:notes"/>
+          <p:cNvSpPr txBox="1">
+            <a:spLocks noGrp="1"/>
+          </p:cNvSpPr>
+          <p:nvPr>
+            <p:ph type="body" idx="1"/>
+          </p:nvPr>
+        </p:nvSpPr>
+        <p:spPr>
+          <a:xfrm>
+            <a:off x="685800" y="4343400"/>
+            <a:ext cx="5486400" cy="4114800"/>
+          </a:xfrm>
+          <a:prstGeom prst="rect">
+            <a:avLst/>
+          </a:prstGeom>
+        </p:spPr>
+        <p:txBody>
+          <a:bodyPr spcFirstLastPara="1" wrap="square" lIns="91425" tIns="91425" rIns="91425" bIns="91425" anchor="t" anchorCtr="0">
+            <a:noAutofit/>
+          </a:bodyPr>
+          <a:lstStyle/>
+          <a:p>
+            <a:pPr marL="0" lvl="0" indent="0" algn="l" rtl="0">
+              <a:spcBef>
+                <a:spcPts val="0"/>
+              </a:spcBef>
+              <a:spcAft>
+                <a:spcPts val="0"/>
+              </a:spcAft>
+              <a:buNone/>
+            </a:pPr>
+            <a:endParaRPr/>
+          </a:p>
+        </p:txBody>
+      </p:sp>
+    </p:spTree>
+    <p:extLst>
+      <p:ext uri="{BB962C8B-B14F-4D97-AF65-F5344CB8AC3E}">
+        <p14:creationId xmlns:p14="http://schemas.microsoft.com/office/powerpoint/2010/main" val="1726765552"/>
+      </p:ext>
+    </p:extLst>
+  </p:cSld>
+  <p:clrMapOvr>
+    <a:masterClrMapping/>
+  </p:clrMapOvr>
+</p:notes>
+</file>
+
 <file path=ppt/notesSlides/notesSlide2.xml><?xml version="1.0" encoding="utf-8"?>
 <p:notes xmlns:a="http://schemas.openxmlformats.org/drawingml/2006/main" xmlns:r="http://schemas.openxmlformats.org/officeDocument/2006/relationships" xmlns:p="http://schemas.openxmlformats.org/presentationml/2006/main" showMasterSp="0" showMasterPhAnim="0">
   <p:cSld>
@@ -946,7 +1059,7 @@
   <p:cSld>
     <p:spTree>
       <p:nvGrpSpPr>
-        <p:cNvPr id="1" name="Shape 257"/>
+        <p:cNvPr id="1" name="Shape 264"/>
         <p:cNvGrpSpPr/>
         <p:nvPr/>
       </p:nvGrpSpPr>
@@ -960,7 +1073,7 @@
       </p:grpSpPr>
       <p:sp>
         <p:nvSpPr>
-          <p:cNvPr id="258" name="Google Shape;258;p:notes"/>
+          <p:cNvPr id="265" name="Google Shape;265;g35f391192_029:notes"/>
           <p:cNvSpPr>
             <a:spLocks noGrp="1" noRot="1" noChangeAspect="1"/>
           </p:cNvSpPr>
@@ -1001,7 +1114,7 @@
       </p:sp>
       <p:sp>
         <p:nvSpPr>
-          <p:cNvPr id="259" name="Google Shape;259;p:notes"/>
+          <p:cNvPr id="266" name="Google Shape;266;g35f391192_029:notes"/>
           <p:cNvSpPr txBox="1">
             <a:spLocks noGrp="1"/>
           </p:cNvSpPr>
@@ -1038,6 +1151,11 @@
         </p:txBody>
       </p:sp>
     </p:spTree>
+    <p:extLst>
+      <p:ext uri="{BB962C8B-B14F-4D97-AF65-F5344CB8AC3E}">
+        <p14:creationId xmlns:p14="http://schemas.microsoft.com/office/powerpoint/2010/main" val="2952744367"/>
+      </p:ext>
+    </p:extLst>
   </p:cSld>
   <p:clrMapOvr>
     <a:masterClrMapping/>
@@ -1142,6 +1260,11 @@
         </p:txBody>
       </p:sp>
     </p:spTree>
+    <p:extLst>
+      <p:ext uri="{BB962C8B-B14F-4D97-AF65-F5344CB8AC3E}">
+        <p14:creationId xmlns:p14="http://schemas.microsoft.com/office/powerpoint/2010/main" val="1693727390"/>
+      </p:ext>
+    </p:extLst>
   </p:cSld>
   <p:clrMapOvr>
     <a:masterClrMapping/>
@@ -1154,7 +1277,7 @@
   <p:cSld>
     <p:spTree>
       <p:nvGrpSpPr>
-        <p:cNvPr id="1" name="Shape 303"/>
+        <p:cNvPr id="1" name="Shape 257"/>
         <p:cNvGrpSpPr/>
         <p:nvPr/>
       </p:nvGrpSpPr>
@@ -1168,7 +1291,7 @@
       </p:grpSpPr>
       <p:sp>
         <p:nvSpPr>
-          <p:cNvPr id="304" name="Google Shape;304;g35f391192_045:notes"/>
+          <p:cNvPr id="258" name="Google Shape;258;p:notes"/>
           <p:cNvSpPr>
             <a:spLocks noGrp="1" noRot="1" noChangeAspect="1"/>
           </p:cNvSpPr>
@@ -1209,7 +1332,7 @@
       </p:sp>
       <p:sp>
         <p:nvSpPr>
-          <p:cNvPr id="305" name="Google Shape;305;g35f391192_045:notes"/>
+          <p:cNvPr id="259" name="Google Shape;259;p:notes"/>
           <p:cNvSpPr txBox="1">
             <a:spLocks noGrp="1"/>
           </p:cNvSpPr>
@@ -1241,7 +1364,7 @@
               </a:spcAft>
               <a:buNone/>
             </a:pPr>
-            <a:endParaRPr/>
+            <a:endParaRPr dirty="0"/>
           </a:p>
         </p:txBody>
       </p:sp>
@@ -1258,7 +1381,7 @@
   <p:cSld>
     <p:spTree>
       <p:nvGrpSpPr>
-        <p:cNvPr id="1" name="Shape 303"/>
+        <p:cNvPr id="1" name="Shape 257"/>
         <p:cNvGrpSpPr/>
         <p:nvPr/>
       </p:nvGrpSpPr>
@@ -1272,7 +1395,7 @@
       </p:grpSpPr>
       <p:sp>
         <p:nvSpPr>
-          <p:cNvPr id="304" name="Google Shape;304;g35f391192_045:notes"/>
+          <p:cNvPr id="258" name="Google Shape;258;p:notes"/>
           <p:cNvSpPr>
             <a:spLocks noGrp="1" noRot="1" noChangeAspect="1"/>
           </p:cNvSpPr>
@@ -1313,7 +1436,7 @@
       </p:sp>
       <p:sp>
         <p:nvSpPr>
-          <p:cNvPr id="305" name="Google Shape;305;g35f391192_045:notes"/>
+          <p:cNvPr id="259" name="Google Shape;259;p:notes"/>
           <p:cNvSpPr txBox="1">
             <a:spLocks noGrp="1"/>
           </p:cNvSpPr>
@@ -1352,7 +1475,7 @@
     </p:spTree>
     <p:extLst>
       <p:ext uri="{BB962C8B-B14F-4D97-AF65-F5344CB8AC3E}">
-        <p14:creationId xmlns:p14="http://schemas.microsoft.com/office/powerpoint/2010/main" val="4025643616"/>
+        <p14:creationId xmlns:p14="http://schemas.microsoft.com/office/powerpoint/2010/main" val="3282369184"/>
       </p:ext>
     </p:extLst>
   </p:cSld>
@@ -1459,9 +1582,217 @@
         </p:txBody>
       </p:sp>
     </p:spTree>
+  </p:cSld>
+  <p:clrMapOvr>
+    <a:masterClrMapping/>
+  </p:clrMapOvr>
+</p:notes>
+</file>
+
+<file path=ppt/notesSlides/notesSlide8.xml><?xml version="1.0" encoding="utf-8"?>
+<p:notes xmlns:a="http://schemas.openxmlformats.org/drawingml/2006/main" xmlns:r="http://schemas.openxmlformats.org/officeDocument/2006/relationships" xmlns:p="http://schemas.openxmlformats.org/presentationml/2006/main" showMasterSp="0" showMasterPhAnim="0">
+  <p:cSld>
+    <p:spTree>
+      <p:nvGrpSpPr>
+        <p:cNvPr id="1" name="Shape 303"/>
+        <p:cNvGrpSpPr/>
+        <p:nvPr/>
+      </p:nvGrpSpPr>
+      <p:grpSpPr>
+        <a:xfrm>
+          <a:off x="0" y="0"/>
+          <a:ext cx="0" cy="0"/>
+          <a:chOff x="0" y="0"/>
+          <a:chExt cx="0" cy="0"/>
+        </a:xfrm>
+      </p:grpSpPr>
+      <p:sp>
+        <p:nvSpPr>
+          <p:cNvPr id="304" name="Google Shape;304;g35f391192_045:notes"/>
+          <p:cNvSpPr>
+            <a:spLocks noGrp="1" noRot="1" noChangeAspect="1"/>
+          </p:cNvSpPr>
+          <p:nvPr>
+            <p:ph type="sldImg" idx="2"/>
+          </p:nvPr>
+        </p:nvSpPr>
+        <p:spPr>
+          <a:xfrm>
+            <a:off x="381000" y="685800"/>
+            <a:ext cx="6096000" cy="3429000"/>
+          </a:xfrm>
+          <a:custGeom>
+            <a:avLst/>
+            <a:gdLst/>
+            <a:ahLst/>
+            <a:cxnLst/>
+            <a:rect l="l" t="t" r="r" b="b"/>
+            <a:pathLst>
+              <a:path w="120000" h="120000" extrusionOk="0">
+                <a:moveTo>
+                  <a:pt x="0" y="0"/>
+                </a:moveTo>
+                <a:lnTo>
+                  <a:pt x="120000" y="0"/>
+                </a:lnTo>
+                <a:lnTo>
+                  <a:pt x="120000" y="120000"/>
+                </a:lnTo>
+                <a:lnTo>
+                  <a:pt x="0" y="120000"/>
+                </a:lnTo>
+                <a:close/>
+              </a:path>
+            </a:pathLst>
+          </a:custGeom>
+        </p:spPr>
+      </p:sp>
+      <p:sp>
+        <p:nvSpPr>
+          <p:cNvPr id="305" name="Google Shape;305;g35f391192_045:notes"/>
+          <p:cNvSpPr txBox="1">
+            <a:spLocks noGrp="1"/>
+          </p:cNvSpPr>
+          <p:nvPr>
+            <p:ph type="body" idx="1"/>
+          </p:nvPr>
+        </p:nvSpPr>
+        <p:spPr>
+          <a:xfrm>
+            <a:off x="685800" y="4343400"/>
+            <a:ext cx="5486400" cy="4114800"/>
+          </a:xfrm>
+          <a:prstGeom prst="rect">
+            <a:avLst/>
+          </a:prstGeom>
+        </p:spPr>
+        <p:txBody>
+          <a:bodyPr spcFirstLastPara="1" wrap="square" lIns="91425" tIns="91425" rIns="91425" bIns="91425" anchor="t" anchorCtr="0">
+            <a:noAutofit/>
+          </a:bodyPr>
+          <a:lstStyle/>
+          <a:p>
+            <a:pPr marL="0" lvl="0" indent="0" algn="l" rtl="0">
+              <a:spcBef>
+                <a:spcPts val="0"/>
+              </a:spcBef>
+              <a:spcAft>
+                <a:spcPts val="0"/>
+              </a:spcAft>
+              <a:buNone/>
+            </a:pPr>
+            <a:endParaRPr/>
+          </a:p>
+        </p:txBody>
+      </p:sp>
+    </p:spTree>
+  </p:cSld>
+  <p:clrMapOvr>
+    <a:masterClrMapping/>
+  </p:clrMapOvr>
+</p:notes>
+</file>
+
+<file path=ppt/notesSlides/notesSlide9.xml><?xml version="1.0" encoding="utf-8"?>
+<p:notes xmlns:a="http://schemas.openxmlformats.org/drawingml/2006/main" xmlns:r="http://schemas.openxmlformats.org/officeDocument/2006/relationships" xmlns:p="http://schemas.openxmlformats.org/presentationml/2006/main" showMasterSp="0" showMasterPhAnim="0">
+  <p:cSld>
+    <p:spTree>
+      <p:nvGrpSpPr>
+        <p:cNvPr id="1" name="Shape 303"/>
+        <p:cNvGrpSpPr/>
+        <p:nvPr/>
+      </p:nvGrpSpPr>
+      <p:grpSpPr>
+        <a:xfrm>
+          <a:off x="0" y="0"/>
+          <a:ext cx="0" cy="0"/>
+          <a:chOff x="0" y="0"/>
+          <a:chExt cx="0" cy="0"/>
+        </a:xfrm>
+      </p:grpSpPr>
+      <p:sp>
+        <p:nvSpPr>
+          <p:cNvPr id="304" name="Google Shape;304;g35f391192_045:notes"/>
+          <p:cNvSpPr>
+            <a:spLocks noGrp="1" noRot="1" noChangeAspect="1"/>
+          </p:cNvSpPr>
+          <p:nvPr>
+            <p:ph type="sldImg" idx="2"/>
+          </p:nvPr>
+        </p:nvSpPr>
+        <p:spPr>
+          <a:xfrm>
+            <a:off x="381000" y="685800"/>
+            <a:ext cx="6096000" cy="3429000"/>
+          </a:xfrm>
+          <a:custGeom>
+            <a:avLst/>
+            <a:gdLst/>
+            <a:ahLst/>
+            <a:cxnLst/>
+            <a:rect l="l" t="t" r="r" b="b"/>
+            <a:pathLst>
+              <a:path w="120000" h="120000" extrusionOk="0">
+                <a:moveTo>
+                  <a:pt x="0" y="0"/>
+                </a:moveTo>
+                <a:lnTo>
+                  <a:pt x="120000" y="0"/>
+                </a:lnTo>
+                <a:lnTo>
+                  <a:pt x="120000" y="120000"/>
+                </a:lnTo>
+                <a:lnTo>
+                  <a:pt x="0" y="120000"/>
+                </a:lnTo>
+                <a:close/>
+              </a:path>
+            </a:pathLst>
+          </a:custGeom>
+        </p:spPr>
+      </p:sp>
+      <p:sp>
+        <p:nvSpPr>
+          <p:cNvPr id="305" name="Google Shape;305;g35f391192_045:notes"/>
+          <p:cNvSpPr txBox="1">
+            <a:spLocks noGrp="1"/>
+          </p:cNvSpPr>
+          <p:nvPr>
+            <p:ph type="body" idx="1"/>
+          </p:nvPr>
+        </p:nvSpPr>
+        <p:spPr>
+          <a:xfrm>
+            <a:off x="685800" y="4343400"/>
+            <a:ext cx="5486400" cy="4114800"/>
+          </a:xfrm>
+          <a:prstGeom prst="rect">
+            <a:avLst/>
+          </a:prstGeom>
+        </p:spPr>
+        <p:txBody>
+          <a:bodyPr spcFirstLastPara="1" wrap="square" lIns="91425" tIns="91425" rIns="91425" bIns="91425" anchor="t" anchorCtr="0">
+            <a:noAutofit/>
+          </a:bodyPr>
+          <a:lstStyle/>
+          <a:p>
+            <a:pPr marL="0" lvl="0" indent="0" algn="l" rtl="0">
+              <a:spcBef>
+                <a:spcPts val="0"/>
+              </a:spcBef>
+              <a:spcAft>
+                <a:spcPts val="0"/>
+              </a:spcAft>
+              <a:buNone/>
+            </a:pPr>
+            <a:endParaRPr/>
+          </a:p>
+        </p:txBody>
+      </p:sp>
+    </p:spTree>
     <p:extLst>
       <p:ext uri="{BB962C8B-B14F-4D97-AF65-F5344CB8AC3E}">
-        <p14:creationId xmlns:p14="http://schemas.microsoft.com/office/powerpoint/2010/main" val="1726765552"/>
+        <p14:creationId xmlns:p14="http://schemas.microsoft.com/office/powerpoint/2010/main" val="4025643616"/>
       </p:ext>
     </p:extLst>
   </p:cSld>
@@ -19897,7 +20228,7 @@
           <a:p>
             <a:r>
               <a:rPr lang="en-US" dirty="0"/>
-              <a:t>Lab 1 Update</a:t>
+              <a:t>Lab 1 Final</a:t>
             </a:r>
           </a:p>
         </p:txBody>
@@ -19930,7 +20261,7 @@
           <a:p>
             <a:r>
               <a:rPr lang="en-US" sz="1600" dirty="0"/>
-              <a:t>2.24.21</a:t>
+              <a:t>3.5.2021</a:t>
             </a:r>
           </a:p>
           <a:p>
@@ -22245,6 +22576,729 @@
 </file>
 
 <file path=ppt/slides/slide10.xml><?xml version="1.0" encoding="utf-8"?>
+<p:sld xmlns:a="http://schemas.openxmlformats.org/drawingml/2006/main" xmlns:r="http://schemas.openxmlformats.org/officeDocument/2006/relationships" xmlns:p="http://schemas.openxmlformats.org/presentationml/2006/main">
+  <p:cSld>
+    <p:spTree>
+      <p:nvGrpSpPr>
+        <p:cNvPr id="1" name=""/>
+        <p:cNvGrpSpPr/>
+        <p:nvPr/>
+      </p:nvGrpSpPr>
+      <p:grpSpPr>
+        <a:xfrm>
+          <a:off x="0" y="0"/>
+          <a:ext cx="0" cy="0"/>
+          <a:chOff x="0" y="0"/>
+          <a:chExt cx="0" cy="0"/>
+        </a:xfrm>
+      </p:grpSpPr>
+      <p:sp>
+        <p:nvSpPr>
+          <p:cNvPr id="2" name="Slide Number Placeholder 1">
+            <a:extLst>
+              <a:ext uri="{FF2B5EF4-FFF2-40B4-BE49-F238E27FC236}">
+                <a16:creationId xmlns:a16="http://schemas.microsoft.com/office/drawing/2014/main" id="{A451E203-F4F9-44DF-BF85-BA74706CD431}"/>
+              </a:ext>
+            </a:extLst>
+          </p:cNvPr>
+          <p:cNvSpPr>
+            <a:spLocks noGrp="1"/>
+          </p:cNvSpPr>
+          <p:nvPr>
+            <p:ph type="sldNum" idx="12"/>
+          </p:nvPr>
+        </p:nvSpPr>
+        <p:spPr/>
+        <p:txBody>
+          <a:bodyPr/>
+          <a:lstStyle/>
+          <a:p>
+            <a:pPr marL="0" lvl="0" indent="0" algn="ctr" rtl="0">
+              <a:spcBef>
+                <a:spcPts val="0"/>
+              </a:spcBef>
+              <a:spcAft>
+                <a:spcPts val="0"/>
+              </a:spcAft>
+              <a:buNone/>
+            </a:pPr>
+            <a:fld id="{00000000-1234-1234-1234-123412341234}" type="slidenum">
+              <a:rPr lang="en" smtClean="0"/>
+              <a:t>10</a:t>
+            </a:fld>
+            <a:endParaRPr lang="en"/>
+          </a:p>
+        </p:txBody>
+      </p:sp>
+      <p:sp>
+        <p:nvSpPr>
+          <p:cNvPr id="3" name="Title 2">
+            <a:extLst>
+              <a:ext uri="{FF2B5EF4-FFF2-40B4-BE49-F238E27FC236}">
+                <a16:creationId xmlns:a16="http://schemas.microsoft.com/office/drawing/2014/main" id="{ECC56601-2B52-403A-A5B1-FD806F8D175A}"/>
+              </a:ext>
+            </a:extLst>
+          </p:cNvPr>
+          <p:cNvSpPr>
+            <a:spLocks noGrp="1"/>
+          </p:cNvSpPr>
+          <p:nvPr>
+            <p:ph type="title"/>
+          </p:nvPr>
+        </p:nvSpPr>
+        <p:spPr/>
+        <p:txBody>
+          <a:bodyPr/>
+          <a:lstStyle/>
+          <a:p>
+            <a:r>
+              <a:rPr lang="en-US" dirty="0"/>
+              <a:t>Current Schedule Priority</a:t>
+            </a:r>
+          </a:p>
+        </p:txBody>
+      </p:sp>
+      <p:sp>
+        <p:nvSpPr>
+          <p:cNvPr id="4" name="Text Placeholder 3">
+            <a:extLst>
+              <a:ext uri="{FF2B5EF4-FFF2-40B4-BE49-F238E27FC236}">
+                <a16:creationId xmlns:a16="http://schemas.microsoft.com/office/drawing/2014/main" id="{B43F1F8B-7298-4E6C-B897-14A0AE4191DE}"/>
+              </a:ext>
+            </a:extLst>
+          </p:cNvPr>
+          <p:cNvSpPr>
+            <a:spLocks noGrp="1"/>
+          </p:cNvSpPr>
+          <p:nvPr>
+            <p:ph type="body" idx="1"/>
+          </p:nvPr>
+        </p:nvSpPr>
+        <p:spPr/>
+        <p:txBody>
+          <a:bodyPr/>
+          <a:lstStyle/>
+          <a:p>
+            <a:pPr>
+              <a:buClrTx/>
+              <a:buFont typeface="Arial" panose="020B0604020202020204" pitchFamily="34" charset="0"/>
+              <a:buChar char="•"/>
+            </a:pPr>
+            <a:r>
+              <a:rPr lang="en-US" sz="1800" dirty="0"/>
+              <a:t>Sch_basic.c - sch_loop()</a:t>
+            </a:r>
+          </a:p>
+          <a:p>
+            <a:pPr lvl="1">
+              <a:buClrTx/>
+              <a:buFont typeface="Arial" panose="020B0604020202020204" pitchFamily="34" charset="0"/>
+              <a:buChar char="•"/>
+            </a:pPr>
+            <a:r>
+              <a:rPr lang="en-US" sz="1800" dirty="0"/>
+              <a:t>Polled tasks – checks tasks in loop for hardware conditions</a:t>
+            </a:r>
+          </a:p>
+          <a:p>
+            <a:pPr lvl="1">
+              <a:buClrTx/>
+              <a:buFont typeface="Arial" panose="020B0604020202020204" pitchFamily="34" charset="0"/>
+              <a:buChar char="•"/>
+            </a:pPr>
+            <a:r>
+              <a:rPr lang="en-US" sz="1800" dirty="0"/>
+              <a:t>First scheduled, first checked, first executed</a:t>
+            </a:r>
+          </a:p>
+          <a:p>
+            <a:pPr lvl="1">
+              <a:buClrTx/>
+              <a:buFont typeface="Arial" panose="020B0604020202020204" pitchFamily="34" charset="0"/>
+              <a:buChar char="•"/>
+            </a:pPr>
+            <a:r>
+              <a:rPr lang="en-US" sz="1800" dirty="0"/>
+              <a:t>ADC ➡ UART Rx ➡UART Tx</a:t>
+            </a:r>
+          </a:p>
+        </p:txBody>
+      </p:sp>
+    </p:spTree>
+    <p:extLst>
+      <p:ext uri="{BB962C8B-B14F-4D97-AF65-F5344CB8AC3E}">
+        <p14:creationId xmlns:p14="http://schemas.microsoft.com/office/powerpoint/2010/main" val="3891600212"/>
+      </p:ext>
+    </p:extLst>
+  </p:cSld>
+  <p:clrMapOvr>
+    <a:masterClrMapping/>
+  </p:clrMapOvr>
+</p:sld>
+</file>
+
+<file path=ppt/slides/slide11.xml><?xml version="1.0" encoding="utf-8"?>
+<p:sld xmlns:a="http://schemas.openxmlformats.org/drawingml/2006/main" xmlns:r="http://schemas.openxmlformats.org/officeDocument/2006/relationships" xmlns:p="http://schemas.openxmlformats.org/presentationml/2006/main">
+  <p:cSld>
+    <p:spTree>
+      <p:nvGrpSpPr>
+        <p:cNvPr id="1" name=""/>
+        <p:cNvGrpSpPr/>
+        <p:nvPr/>
+      </p:nvGrpSpPr>
+      <p:grpSpPr>
+        <a:xfrm>
+          <a:off x="0" y="0"/>
+          <a:ext cx="0" cy="0"/>
+          <a:chOff x="0" y="0"/>
+          <a:chExt cx="0" cy="0"/>
+        </a:xfrm>
+      </p:grpSpPr>
+      <p:sp>
+        <p:nvSpPr>
+          <p:cNvPr id="2" name="Slide Number Placeholder 1">
+            <a:extLst>
+              <a:ext uri="{FF2B5EF4-FFF2-40B4-BE49-F238E27FC236}">
+                <a16:creationId xmlns:a16="http://schemas.microsoft.com/office/drawing/2014/main" id="{A451E203-F4F9-44DF-BF85-BA74706CD431}"/>
+              </a:ext>
+            </a:extLst>
+          </p:cNvPr>
+          <p:cNvSpPr>
+            <a:spLocks noGrp="1"/>
+          </p:cNvSpPr>
+          <p:nvPr>
+            <p:ph type="sldNum" idx="12"/>
+          </p:nvPr>
+        </p:nvSpPr>
+        <p:spPr/>
+        <p:txBody>
+          <a:bodyPr/>
+          <a:lstStyle/>
+          <a:p>
+            <a:pPr marL="0" lvl="0" indent="0" algn="ctr" rtl="0">
+              <a:spcBef>
+                <a:spcPts val="0"/>
+              </a:spcBef>
+              <a:spcAft>
+                <a:spcPts val="0"/>
+              </a:spcAft>
+              <a:buNone/>
+            </a:pPr>
+            <a:fld id="{00000000-1234-1234-1234-123412341234}" type="slidenum">
+              <a:rPr lang="en" smtClean="0"/>
+              <a:t>11</a:t>
+            </a:fld>
+            <a:endParaRPr lang="en"/>
+          </a:p>
+        </p:txBody>
+      </p:sp>
+      <p:sp>
+        <p:nvSpPr>
+          <p:cNvPr id="3" name="Title 2">
+            <a:extLst>
+              <a:ext uri="{FF2B5EF4-FFF2-40B4-BE49-F238E27FC236}">
+                <a16:creationId xmlns:a16="http://schemas.microsoft.com/office/drawing/2014/main" id="{ECC56601-2B52-403A-A5B1-FD806F8D175A}"/>
+              </a:ext>
+            </a:extLst>
+          </p:cNvPr>
+          <p:cNvSpPr>
+            <a:spLocks noGrp="1"/>
+          </p:cNvSpPr>
+          <p:nvPr>
+            <p:ph type="title"/>
+          </p:nvPr>
+        </p:nvSpPr>
+        <p:spPr/>
+        <p:txBody>
+          <a:bodyPr/>
+          <a:lstStyle/>
+          <a:p>
+            <a:r>
+              <a:rPr lang="en-US" dirty="0"/>
+              <a:t>Current Schedule Priority</a:t>
+            </a:r>
+          </a:p>
+        </p:txBody>
+      </p:sp>
+      <p:sp>
+        <p:nvSpPr>
+          <p:cNvPr id="4" name="Text Placeholder 3">
+            <a:extLst>
+              <a:ext uri="{FF2B5EF4-FFF2-40B4-BE49-F238E27FC236}">
+                <a16:creationId xmlns:a16="http://schemas.microsoft.com/office/drawing/2014/main" id="{B43F1F8B-7298-4E6C-B897-14A0AE4191DE}"/>
+              </a:ext>
+            </a:extLst>
+          </p:cNvPr>
+          <p:cNvSpPr>
+            <a:spLocks noGrp="1"/>
+          </p:cNvSpPr>
+          <p:nvPr>
+            <p:ph type="body" idx="1"/>
+          </p:nvPr>
+        </p:nvSpPr>
+        <p:spPr>
+          <a:xfrm>
+            <a:off x="457200" y="1657349"/>
+            <a:ext cx="5138700" cy="3304615"/>
+          </a:xfrm>
+        </p:spPr>
+        <p:txBody>
+          <a:bodyPr/>
+          <a:lstStyle/>
+          <a:p>
+            <a:pPr>
+              <a:buClrTx/>
+              <a:buFont typeface="Arial" panose="020B0604020202020204" pitchFamily="34" charset="0"/>
+              <a:buChar char="•"/>
+            </a:pPr>
+            <a:r>
+              <a:rPr lang="en-US" sz="1800" dirty="0"/>
+              <a:t>Tasks_lab_1.c - </a:t>
+            </a:r>
+            <a:r>
+              <a:rPr lang="en-US" sz="1800" dirty="0" err="1"/>
+              <a:t>sch_create_timeout</a:t>
+            </a:r>
+            <a:r>
+              <a:rPr lang="en-US" sz="1800" dirty="0"/>
+              <a:t>()</a:t>
+            </a:r>
+          </a:p>
+          <a:p>
+            <a:pPr lvl="1">
+              <a:buClrTx/>
+              <a:buFont typeface="Arial" panose="020B0604020202020204" pitchFamily="34" charset="0"/>
+              <a:buChar char="•"/>
+            </a:pPr>
+            <a:r>
+              <a:rPr lang="en-US" sz="1800" dirty="0"/>
+              <a:t>Based on tick timeout</a:t>
+            </a:r>
+          </a:p>
+          <a:p>
+            <a:pPr lvl="1">
+              <a:buClrTx/>
+              <a:buFont typeface="Arial" panose="020B0604020202020204" pitchFamily="34" charset="0"/>
+              <a:buChar char="•"/>
+            </a:pPr>
+            <a:r>
+              <a:rPr lang="en-US" sz="1800" dirty="0"/>
+              <a:t>Higher priority than polling loop</a:t>
+            </a:r>
+          </a:p>
+          <a:p>
+            <a:pPr lvl="1">
+              <a:buClrTx/>
+              <a:buFont typeface="Arial" panose="020B0604020202020204" pitchFamily="34" charset="0"/>
+              <a:buChar char="•"/>
+            </a:pPr>
+            <a:r>
+              <a:rPr lang="en-US" sz="1800" dirty="0"/>
+              <a:t>Every ~1s LED toggles</a:t>
+            </a:r>
+          </a:p>
+        </p:txBody>
+      </p:sp>
+    </p:spTree>
+    <p:extLst>
+      <p:ext uri="{BB962C8B-B14F-4D97-AF65-F5344CB8AC3E}">
+        <p14:creationId xmlns:p14="http://schemas.microsoft.com/office/powerpoint/2010/main" val="4087606915"/>
+      </p:ext>
+    </p:extLst>
+  </p:cSld>
+  <p:clrMapOvr>
+    <a:masterClrMapping/>
+  </p:clrMapOvr>
+</p:sld>
+</file>
+
+<file path=ppt/slides/slide12.xml><?xml version="1.0" encoding="utf-8"?>
+<p:sld xmlns:a="http://schemas.openxmlformats.org/drawingml/2006/main" xmlns:r="http://schemas.openxmlformats.org/officeDocument/2006/relationships" xmlns:p="http://schemas.openxmlformats.org/presentationml/2006/main">
+  <p:cSld>
+    <p:spTree>
+      <p:nvGrpSpPr>
+        <p:cNvPr id="1" name=""/>
+        <p:cNvGrpSpPr/>
+        <p:nvPr/>
+      </p:nvGrpSpPr>
+      <p:grpSpPr>
+        <a:xfrm>
+          <a:off x="0" y="0"/>
+          <a:ext cx="0" cy="0"/>
+          <a:chOff x="0" y="0"/>
+          <a:chExt cx="0" cy="0"/>
+        </a:xfrm>
+      </p:grpSpPr>
+      <p:sp>
+        <p:nvSpPr>
+          <p:cNvPr id="2" name="Slide Number Placeholder 1">
+            <a:extLst>
+              <a:ext uri="{FF2B5EF4-FFF2-40B4-BE49-F238E27FC236}">
+                <a16:creationId xmlns:a16="http://schemas.microsoft.com/office/drawing/2014/main" id="{352FB711-FF2F-4458-A992-5D67CC43A31E}"/>
+              </a:ext>
+            </a:extLst>
+          </p:cNvPr>
+          <p:cNvSpPr>
+            <a:spLocks noGrp="1"/>
+          </p:cNvSpPr>
+          <p:nvPr>
+            <p:ph type="sldNum" idx="12"/>
+          </p:nvPr>
+        </p:nvSpPr>
+        <p:spPr/>
+        <p:txBody>
+          <a:bodyPr/>
+          <a:lstStyle/>
+          <a:p>
+            <a:pPr marL="0" lvl="0" indent="0" algn="ctr" rtl="0">
+              <a:spcBef>
+                <a:spcPts val="0"/>
+              </a:spcBef>
+              <a:spcAft>
+                <a:spcPts val="0"/>
+              </a:spcAft>
+              <a:buNone/>
+            </a:pPr>
+            <a:fld id="{00000000-1234-1234-1234-123412341234}" type="slidenum">
+              <a:rPr lang="en" smtClean="0"/>
+              <a:t>12</a:t>
+            </a:fld>
+            <a:endParaRPr lang="en"/>
+          </a:p>
+        </p:txBody>
+      </p:sp>
+      <p:sp>
+        <p:nvSpPr>
+          <p:cNvPr id="11" name="Title 2">
+            <a:extLst>
+              <a:ext uri="{FF2B5EF4-FFF2-40B4-BE49-F238E27FC236}">
+                <a16:creationId xmlns:a16="http://schemas.microsoft.com/office/drawing/2014/main" id="{1E11305B-8495-47F3-8D3B-70C20BB5A2C2}"/>
+              </a:ext>
+            </a:extLst>
+          </p:cNvPr>
+          <p:cNvSpPr>
+            <a:spLocks noGrp="1"/>
+          </p:cNvSpPr>
+          <p:nvPr>
+            <p:ph type="title"/>
+          </p:nvPr>
+        </p:nvSpPr>
+        <p:spPr>
+          <a:xfrm>
+            <a:off x="457200" y="586975"/>
+            <a:ext cx="5138700" cy="857400"/>
+          </a:xfrm>
+        </p:spPr>
+        <p:txBody>
+          <a:bodyPr/>
+          <a:lstStyle/>
+          <a:p>
+            <a:r>
+              <a:rPr lang="en-US" dirty="0"/>
+              <a:t>Scheduling Approach</a:t>
+            </a:r>
+          </a:p>
+        </p:txBody>
+      </p:sp>
+      <p:sp>
+        <p:nvSpPr>
+          <p:cNvPr id="12" name="Text Placeholder 3">
+            <a:extLst>
+              <a:ext uri="{FF2B5EF4-FFF2-40B4-BE49-F238E27FC236}">
+                <a16:creationId xmlns:a16="http://schemas.microsoft.com/office/drawing/2014/main" id="{03058ACB-907F-4FEB-9FD5-EE0E20605C41}"/>
+              </a:ext>
+            </a:extLst>
+          </p:cNvPr>
+          <p:cNvSpPr>
+            <a:spLocks noGrp="1"/>
+          </p:cNvSpPr>
+          <p:nvPr>
+            <p:ph type="body" idx="1"/>
+          </p:nvPr>
+        </p:nvSpPr>
+        <p:spPr>
+          <a:xfrm>
+            <a:off x="457200" y="1630456"/>
+            <a:ext cx="5138700" cy="3180900"/>
+          </a:xfrm>
+        </p:spPr>
+        <p:txBody>
+          <a:bodyPr/>
+          <a:lstStyle/>
+          <a:p>
+            <a:pPr>
+              <a:buClrTx/>
+              <a:buFont typeface="Arial" panose="020B0604020202020204" pitchFamily="34" charset="0"/>
+              <a:buChar char="•"/>
+            </a:pPr>
+            <a:r>
+              <a:rPr lang="en-US" sz="1600" dirty="0"/>
+              <a:t>Asynchronous events handled by hardware interrupts</a:t>
+            </a:r>
+          </a:p>
+          <a:p>
+            <a:pPr lvl="1">
+              <a:buClrTx/>
+              <a:buFont typeface="Arial" panose="020B0604020202020204" pitchFamily="34" charset="0"/>
+              <a:buChar char="•"/>
+            </a:pPr>
+            <a:r>
+              <a:rPr lang="en-US" sz="1600" i="1" dirty="0" err="1"/>
+              <a:t>HAL_GPIO_EXTI_Callback</a:t>
+            </a:r>
+            <a:r>
+              <a:rPr lang="en-US" sz="1600" i="1" dirty="0"/>
+              <a:t>();</a:t>
+            </a:r>
+          </a:p>
+          <a:p>
+            <a:pPr lvl="1">
+              <a:buClrTx/>
+              <a:buFont typeface="Arial" panose="020B0604020202020204" pitchFamily="34" charset="0"/>
+              <a:buChar char="•"/>
+            </a:pPr>
+            <a:r>
+              <a:rPr lang="en-US" sz="1600" dirty="0"/>
+              <a:t>Break tasks into priority groups</a:t>
+            </a:r>
+          </a:p>
+          <a:p>
+            <a:pPr lvl="2">
+              <a:buClrTx/>
+              <a:buFont typeface="Arial" panose="020B0604020202020204" pitchFamily="34" charset="0"/>
+              <a:buChar char="•"/>
+            </a:pPr>
+            <a:r>
+              <a:rPr lang="en-US" sz="1600" i="1" dirty="0" err="1"/>
+              <a:t>HAL_NVIC_SetPriority</a:t>
+            </a:r>
+            <a:r>
+              <a:rPr lang="en-US" sz="1600" i="1" dirty="0"/>
+              <a:t>() </a:t>
+            </a:r>
+            <a:r>
+              <a:rPr lang="en-US" sz="1600" dirty="0"/>
+              <a:t>: 0 to 15</a:t>
+            </a:r>
+          </a:p>
+          <a:p>
+            <a:pPr lvl="2">
+              <a:buClrTx/>
+              <a:buFont typeface="Arial" panose="020B0604020202020204" pitchFamily="34" charset="0"/>
+              <a:buChar char="•"/>
+            </a:pPr>
+            <a:r>
+              <a:rPr lang="en-US" sz="1600" dirty="0"/>
+              <a:t>If multiple asynchronous interrupts occur at same time, highest priority gets completed first</a:t>
+            </a:r>
+          </a:p>
+        </p:txBody>
+      </p:sp>
+    </p:spTree>
+    <p:extLst>
+      <p:ext uri="{BB962C8B-B14F-4D97-AF65-F5344CB8AC3E}">
+        <p14:creationId xmlns:p14="http://schemas.microsoft.com/office/powerpoint/2010/main" val="2994522453"/>
+      </p:ext>
+    </p:extLst>
+  </p:cSld>
+  <p:clrMapOvr>
+    <a:masterClrMapping/>
+  </p:clrMapOvr>
+</p:sld>
+</file>
+
+<file path=ppt/slides/slide13.xml><?xml version="1.0" encoding="utf-8"?>
+<p:sld xmlns:a="http://schemas.openxmlformats.org/drawingml/2006/main" xmlns:r="http://schemas.openxmlformats.org/officeDocument/2006/relationships" xmlns:p="http://schemas.openxmlformats.org/presentationml/2006/main">
+  <p:cSld>
+    <p:spTree>
+      <p:nvGrpSpPr>
+        <p:cNvPr id="1" name="Shape 306"/>
+        <p:cNvGrpSpPr/>
+        <p:nvPr/>
+      </p:nvGrpSpPr>
+      <p:grpSpPr>
+        <a:xfrm>
+          <a:off x="0" y="0"/>
+          <a:ext cx="0" cy="0"/>
+          <a:chOff x="0" y="0"/>
+          <a:chExt cx="0" cy="0"/>
+        </a:xfrm>
+      </p:grpSpPr>
+      <p:sp>
+        <p:nvSpPr>
+          <p:cNvPr id="307" name="Google Shape;307;p21"/>
+          <p:cNvSpPr txBox="1">
+            <a:spLocks noGrp="1"/>
+          </p:cNvSpPr>
+          <p:nvPr>
+            <p:ph type="title"/>
+          </p:nvPr>
+        </p:nvSpPr>
+        <p:spPr>
+          <a:xfrm>
+            <a:off x="457200" y="586975"/>
+            <a:ext cx="5138700" cy="857400"/>
+          </a:xfrm>
+          <a:prstGeom prst="rect">
+            <a:avLst/>
+          </a:prstGeom>
+        </p:spPr>
+        <p:txBody>
+          <a:bodyPr spcFirstLastPara="1" wrap="square" lIns="91425" tIns="91425" rIns="91425" bIns="91425" anchor="b" anchorCtr="0">
+            <a:noAutofit/>
+          </a:bodyPr>
+          <a:lstStyle/>
+          <a:p>
+            <a:pPr marL="0" lvl="0" indent="0" algn="l" rtl="0">
+              <a:spcBef>
+                <a:spcPts val="0"/>
+              </a:spcBef>
+              <a:spcAft>
+                <a:spcPts val="0"/>
+              </a:spcAft>
+              <a:buNone/>
+            </a:pPr>
+            <a:r>
+              <a:rPr lang="en" dirty="0"/>
+              <a:t>Scheduling Approach</a:t>
+            </a:r>
+            <a:endParaRPr dirty="0"/>
+          </a:p>
+        </p:txBody>
+      </p:sp>
+      <p:sp>
+        <p:nvSpPr>
+          <p:cNvPr id="308" name="Google Shape;308;p21"/>
+          <p:cNvSpPr txBox="1">
+            <a:spLocks noGrp="1"/>
+          </p:cNvSpPr>
+          <p:nvPr>
+            <p:ph type="body" idx="1"/>
+          </p:nvPr>
+        </p:nvSpPr>
+        <p:spPr>
+          <a:xfrm>
+            <a:off x="457199" y="1661575"/>
+            <a:ext cx="5385547" cy="3055200"/>
+          </a:xfrm>
+          <a:prstGeom prst="rect">
+            <a:avLst/>
+          </a:prstGeom>
+        </p:spPr>
+        <p:txBody>
+          <a:bodyPr spcFirstLastPara="1" wrap="square" lIns="91425" tIns="91425" rIns="91425" bIns="91425" anchor="t" anchorCtr="0">
+            <a:noAutofit/>
+          </a:bodyPr>
+          <a:lstStyle/>
+          <a:p>
+            <a:pPr>
+              <a:buClrTx/>
+              <a:buFont typeface="Arial" panose="020B0604020202020204" pitchFamily="34" charset="0"/>
+              <a:buChar char="•"/>
+            </a:pPr>
+            <a:r>
+              <a:rPr lang="en-US" sz="1600" dirty="0"/>
+              <a:t>Synchronous events / periodic tasks handled by timer interrupts</a:t>
+            </a:r>
+          </a:p>
+          <a:p>
+            <a:pPr lvl="1">
+              <a:buClrTx/>
+              <a:buFont typeface="Arial" panose="020B0604020202020204" pitchFamily="34" charset="0"/>
+              <a:buChar char="•"/>
+            </a:pPr>
+            <a:r>
+              <a:rPr lang="en-US" sz="1600" dirty="0"/>
+              <a:t>Set up timer with interrupt at each period time</a:t>
+            </a:r>
+          </a:p>
+          <a:p>
+            <a:pPr lvl="1">
+              <a:buClrTx/>
+              <a:buFont typeface="Arial" panose="020B0604020202020204" pitchFamily="34" charset="0"/>
+              <a:buChar char="•"/>
+            </a:pPr>
+            <a:r>
+              <a:rPr lang="en-US" sz="1600" dirty="0"/>
+              <a:t>Set </a:t>
+            </a:r>
+            <a:r>
+              <a:rPr lang="en-US" sz="1600" i="1" dirty="0" err="1"/>
+              <a:t>HAL_TIM_Period_ElapsedCallback</a:t>
+            </a:r>
+            <a:r>
+              <a:rPr lang="en-US" sz="1600" i="1" dirty="0"/>
+              <a:t>() </a:t>
+            </a:r>
+            <a:r>
+              <a:rPr lang="en-US" sz="1600" dirty="0"/>
+              <a:t>to process</a:t>
+            </a:r>
+          </a:p>
+          <a:p>
+            <a:pPr lvl="1">
+              <a:buClrTx/>
+              <a:buFont typeface="Arial" panose="020B0604020202020204" pitchFamily="34" charset="0"/>
+              <a:buChar char="•"/>
+            </a:pPr>
+            <a:r>
+              <a:rPr lang="en-US" sz="1600" dirty="0"/>
+              <a:t>Will need the period of all synchronous / periodic tasks</a:t>
+            </a:r>
+          </a:p>
+        </p:txBody>
+      </p:sp>
+      <p:sp>
+        <p:nvSpPr>
+          <p:cNvPr id="311" name="Google Shape;311;p21"/>
+          <p:cNvSpPr txBox="1">
+            <a:spLocks noGrp="1"/>
+          </p:cNvSpPr>
+          <p:nvPr>
+            <p:ph type="sldNum" idx="12"/>
+          </p:nvPr>
+        </p:nvSpPr>
+        <p:spPr>
+          <a:xfrm>
+            <a:off x="8808000" y="2208175"/>
+            <a:ext cx="336000" cy="727200"/>
+          </a:xfrm>
+          <a:prstGeom prst="rect">
+            <a:avLst/>
+          </a:prstGeom>
+        </p:spPr>
+        <p:txBody>
+          <a:bodyPr spcFirstLastPara="1" wrap="square" lIns="91425" tIns="91425" rIns="91425" bIns="91425" anchor="ctr" anchorCtr="0">
+            <a:noAutofit/>
+          </a:bodyPr>
+          <a:lstStyle/>
+          <a:p>
+            <a:pPr marL="0" lvl="0" indent="0" algn="ctr" rtl="0">
+              <a:spcBef>
+                <a:spcPts val="0"/>
+              </a:spcBef>
+              <a:spcAft>
+                <a:spcPts val="0"/>
+              </a:spcAft>
+              <a:buNone/>
+            </a:pPr>
+            <a:fld id="{00000000-1234-1234-1234-123412341234}" type="slidenum">
+              <a:rPr lang="en"/>
+              <a:t>13</a:t>
+            </a:fld>
+            <a:endParaRPr/>
+          </a:p>
+        </p:txBody>
+      </p:sp>
+    </p:spTree>
+  </p:cSld>
+  <p:clrMapOvr>
+    <a:masterClrMapping/>
+  </p:clrMapOvr>
+</p:sld>
+</file>
+
+<file path=ppt/slides/slide14.xml><?xml version="1.0" encoding="utf-8"?>
 <p:sld xmlns:a="http://schemas.openxmlformats.org/drawingml/2006/main" xmlns:r="http://schemas.openxmlformats.org/officeDocument/2006/relationships" xmlns:p="http://schemas.openxmlformats.org/presentationml/2006/main">
   <p:cSld>
     <p:spTree>
@@ -22449,7 +23503,7 @@
             </a:pPr>
             <a:fld id="{00000000-1234-1234-1234-123412341234}" type="slidenum">
               <a:rPr lang="en"/>
-              <a:t>10</a:t>
+              <a:t>14</a:t>
             </a:fld>
             <a:endParaRPr dirty="0"/>
           </a:p>
@@ -22468,7 +23522,7 @@
 </p:sld>
 </file>
 
-<file path=ppt/slides/slide11.xml><?xml version="1.0" encoding="utf-8"?>
+<file path=ppt/slides/slide15.xml><?xml version="1.0" encoding="utf-8"?>
 <p:sld xmlns:a="http://schemas.openxmlformats.org/drawingml/2006/main" xmlns:r="http://schemas.openxmlformats.org/officeDocument/2006/relationships" xmlns:p="http://schemas.openxmlformats.org/presentationml/2006/main">
   <p:cSld>
     <p:spTree>
@@ -22644,12 +23698,12 @@
               <a:buChar char="•"/>
             </a:pPr>
             <a:r>
-              <a:rPr lang="en-US" sz="1400" dirty="0">
+              <a:rPr lang="en-US" sz="1400" b="1" dirty="0">
                 <a:solidFill>
                   <a:srgbClr val="000000"/>
                 </a:solidFill>
               </a:rPr>
-              <a:t>Period of 100,000</a:t>
+              <a:t>Period of 7,000,000 (1 second)</a:t>
             </a:r>
           </a:p>
           <a:p>
@@ -22662,12 +23716,12 @@
               <a:buChar char="•"/>
             </a:pPr>
             <a:r>
-              <a:rPr lang="en-US" sz="1400" dirty="0">
+              <a:rPr lang="en-US" sz="1400" b="1" dirty="0">
                 <a:solidFill>
                   <a:srgbClr val="000000"/>
                 </a:solidFill>
               </a:rPr>
-              <a:t>Pre-scalar of 83</a:t>
+              <a:t>Pre-scalar of 12</a:t>
             </a:r>
           </a:p>
           <a:p>
@@ -22685,7 +23739,15 @@
                   <a:srgbClr val="000000"/>
                 </a:solidFill>
               </a:rPr>
-              <a:t>Every clock tick is 1 microsecond</a:t>
+              <a:t>Every clock tick is </a:t>
+            </a:r>
+            <a:r>
+              <a:rPr lang="en-US" sz="1400" b="1" dirty="0">
+                <a:solidFill>
+                  <a:srgbClr val="000000"/>
+                </a:solidFill>
+              </a:rPr>
+              <a:t>1/7 microsecond</a:t>
             </a:r>
           </a:p>
           <a:p>
@@ -23119,6 +24181,40 @@
               <a:t>Averages based on 65,535 consecutive loop timings</a:t>
             </a:r>
           </a:p>
+          <a:p>
+            <a:pPr marL="285750" indent="-285750">
+              <a:buClr>
+                <a:schemeClr val="dk1"/>
+              </a:buClr>
+              <a:buSzPts val="1100"/>
+              <a:buFont typeface="Arial" panose="020B0604020202020204" pitchFamily="34" charset="0"/>
+              <a:buChar char="•"/>
+            </a:pPr>
+            <a:r>
+              <a:rPr lang="en-US" sz="1400" dirty="0">
+                <a:solidFill>
+                  <a:srgbClr val="000000"/>
+                </a:solidFill>
+              </a:rPr>
+              <a:t>Blink loop uses </a:t>
+            </a:r>
+            <a:r>
+              <a:rPr lang="en-US" sz="1400" dirty="0" err="1">
+                <a:solidFill>
+                  <a:srgbClr val="000000"/>
+                </a:solidFill>
+              </a:rPr>
+              <a:t>HAL_tick</a:t>
+            </a:r>
+            <a:r>
+              <a:rPr lang="en-US" sz="1400" dirty="0">
+                <a:solidFill>
+                  <a:srgbClr val="000000"/>
+                </a:solidFill>
+              </a:rPr>
+              <a:t> timing, all others use TIM2 ticks</a:t>
+            </a:r>
+          </a:p>
         </p:txBody>
       </p:sp>
       <p:sp>
@@ -23219,6 +24315,344 @@
 </file>
 
 <file path=ppt/slides/slide4.xml><?xml version="1.0" encoding="utf-8"?>
+<p:sld xmlns:a="http://schemas.openxmlformats.org/drawingml/2006/main" xmlns:r="http://schemas.openxmlformats.org/officeDocument/2006/relationships" xmlns:p="http://schemas.openxmlformats.org/presentationml/2006/main">
+  <p:cSld>
+    <p:spTree>
+      <p:nvGrpSpPr>
+        <p:cNvPr id="1" name="Shape 267"/>
+        <p:cNvGrpSpPr/>
+        <p:nvPr/>
+      </p:nvGrpSpPr>
+      <p:grpSpPr>
+        <a:xfrm>
+          <a:off x="0" y="0"/>
+          <a:ext cx="0" cy="0"/>
+          <a:chOff x="0" y="0"/>
+          <a:chExt cx="0" cy="0"/>
+        </a:xfrm>
+      </p:grpSpPr>
+      <p:sp>
+        <p:nvSpPr>
+          <p:cNvPr id="268" name="Google Shape;268;p17"/>
+          <p:cNvSpPr txBox="1">
+            <a:spLocks noGrp="1"/>
+          </p:cNvSpPr>
+          <p:nvPr>
+            <p:ph type="ctrTitle"/>
+          </p:nvPr>
+        </p:nvSpPr>
+        <p:spPr>
+          <a:xfrm>
+            <a:off x="2244384" y="2172542"/>
+            <a:ext cx="4655232" cy="798415"/>
+          </a:xfrm>
+          <a:prstGeom prst="rect">
+            <a:avLst/>
+          </a:prstGeom>
+        </p:spPr>
+        <p:txBody>
+          <a:bodyPr spcFirstLastPara="1" wrap="square" lIns="91425" tIns="91425" rIns="91425" bIns="91425" anchor="b" anchorCtr="0">
+            <a:noAutofit/>
+          </a:bodyPr>
+          <a:lstStyle/>
+          <a:p>
+            <a:pPr marL="0" lvl="0" indent="0" algn="ctr" rtl="0">
+              <a:spcBef>
+                <a:spcPts val="0"/>
+              </a:spcBef>
+              <a:spcAft>
+                <a:spcPts val="0"/>
+              </a:spcAft>
+              <a:buNone/>
+            </a:pPr>
+            <a:r>
+              <a:rPr lang="en-US" dirty="0"/>
+              <a:t>Interrupt </a:t>
+            </a:r>
+            <a:br>
+              <a:rPr lang="en-US" dirty="0"/>
+            </a:br>
+            <a:r>
+              <a:rPr lang="en-US" dirty="0"/>
+              <a:t>Implementation</a:t>
+            </a:r>
+            <a:endParaRPr dirty="0"/>
+          </a:p>
+        </p:txBody>
+      </p:sp>
+    </p:spTree>
+    <p:extLst>
+      <p:ext uri="{BB962C8B-B14F-4D97-AF65-F5344CB8AC3E}">
+        <p14:creationId xmlns:p14="http://schemas.microsoft.com/office/powerpoint/2010/main" val="4185242888"/>
+      </p:ext>
+    </p:extLst>
+  </p:cSld>
+  <p:clrMapOvr>
+    <a:masterClrMapping/>
+  </p:clrMapOvr>
+</p:sld>
+</file>
+
+<file path=ppt/slides/slide5.xml><?xml version="1.0" encoding="utf-8"?>
+<p:sld xmlns:a="http://schemas.openxmlformats.org/drawingml/2006/main" xmlns:r="http://schemas.openxmlformats.org/officeDocument/2006/relationships" xmlns:p="http://schemas.openxmlformats.org/presentationml/2006/main">
+  <p:cSld>
+    <p:spTree>
+      <p:nvGrpSpPr>
+        <p:cNvPr id="1" name=""/>
+        <p:cNvGrpSpPr/>
+        <p:nvPr/>
+      </p:nvGrpSpPr>
+      <p:grpSpPr>
+        <a:xfrm>
+          <a:off x="0" y="0"/>
+          <a:ext cx="0" cy="0"/>
+          <a:chOff x="0" y="0"/>
+          <a:chExt cx="0" cy="0"/>
+        </a:xfrm>
+      </p:grpSpPr>
+      <p:sp>
+        <p:nvSpPr>
+          <p:cNvPr id="2" name="Slide Number Placeholder 1">
+            <a:extLst>
+              <a:ext uri="{FF2B5EF4-FFF2-40B4-BE49-F238E27FC236}">
+                <a16:creationId xmlns:a16="http://schemas.microsoft.com/office/drawing/2014/main" id="{A451E203-F4F9-44DF-BF85-BA74706CD431}"/>
+              </a:ext>
+            </a:extLst>
+          </p:cNvPr>
+          <p:cNvSpPr>
+            <a:spLocks noGrp="1"/>
+          </p:cNvSpPr>
+          <p:nvPr>
+            <p:ph type="sldNum" idx="12"/>
+          </p:nvPr>
+        </p:nvSpPr>
+        <p:spPr/>
+        <p:txBody>
+          <a:bodyPr/>
+          <a:lstStyle/>
+          <a:p>
+            <a:pPr marL="0" lvl="0" indent="0" algn="ctr" rtl="0">
+              <a:spcBef>
+                <a:spcPts val="0"/>
+              </a:spcBef>
+              <a:spcAft>
+                <a:spcPts val="0"/>
+              </a:spcAft>
+              <a:buNone/>
+            </a:pPr>
+            <a:fld id="{00000000-1234-1234-1234-123412341234}" type="slidenum">
+              <a:rPr lang="en" smtClean="0"/>
+              <a:t>5</a:t>
+            </a:fld>
+            <a:endParaRPr lang="en"/>
+          </a:p>
+        </p:txBody>
+      </p:sp>
+      <p:sp>
+        <p:nvSpPr>
+          <p:cNvPr id="3" name="Title 2">
+            <a:extLst>
+              <a:ext uri="{FF2B5EF4-FFF2-40B4-BE49-F238E27FC236}">
+                <a16:creationId xmlns:a16="http://schemas.microsoft.com/office/drawing/2014/main" id="{ECC56601-2B52-403A-A5B1-FD806F8D175A}"/>
+              </a:ext>
+            </a:extLst>
+          </p:cNvPr>
+          <p:cNvSpPr>
+            <a:spLocks noGrp="1"/>
+          </p:cNvSpPr>
+          <p:nvPr>
+            <p:ph type="title"/>
+          </p:nvPr>
+        </p:nvSpPr>
+        <p:spPr/>
+        <p:txBody>
+          <a:bodyPr/>
+          <a:lstStyle/>
+          <a:p>
+            <a:r>
+              <a:rPr lang="en-US" dirty="0"/>
+              <a:t>Interrupts Used</a:t>
+            </a:r>
+          </a:p>
+        </p:txBody>
+      </p:sp>
+      <p:sp>
+        <p:nvSpPr>
+          <p:cNvPr id="4" name="Text Placeholder 3">
+            <a:extLst>
+              <a:ext uri="{FF2B5EF4-FFF2-40B4-BE49-F238E27FC236}">
+                <a16:creationId xmlns:a16="http://schemas.microsoft.com/office/drawing/2014/main" id="{B43F1F8B-7298-4E6C-B897-14A0AE4191DE}"/>
+              </a:ext>
+            </a:extLst>
+          </p:cNvPr>
+          <p:cNvSpPr>
+            <a:spLocks noGrp="1"/>
+          </p:cNvSpPr>
+          <p:nvPr>
+            <p:ph type="body" idx="1"/>
+          </p:nvPr>
+        </p:nvSpPr>
+        <p:spPr/>
+        <p:txBody>
+          <a:bodyPr/>
+          <a:lstStyle/>
+          <a:p>
+            <a:pPr>
+              <a:buClrTx/>
+              <a:buFont typeface="Arial" panose="020B0604020202020204" pitchFamily="34" charset="0"/>
+              <a:buChar char="•"/>
+            </a:pPr>
+            <a:r>
+              <a:rPr lang="en-US" sz="1800" dirty="0"/>
+              <a:t>ADC</a:t>
+            </a:r>
+          </a:p>
+          <a:p>
+            <a:pPr>
+              <a:buClrTx/>
+              <a:buFont typeface="Arial" panose="020B0604020202020204" pitchFamily="34" charset="0"/>
+              <a:buChar char="•"/>
+            </a:pPr>
+            <a:endParaRPr lang="en-US" sz="1800" dirty="0"/>
+          </a:p>
+          <a:p>
+            <a:pPr>
+              <a:buClrTx/>
+              <a:buFont typeface="Arial" panose="020B0604020202020204" pitchFamily="34" charset="0"/>
+              <a:buChar char="•"/>
+            </a:pPr>
+            <a:r>
+              <a:rPr lang="en-US" sz="1800" dirty="0"/>
+              <a:t>UART Tx</a:t>
+            </a:r>
+          </a:p>
+          <a:p>
+            <a:pPr>
+              <a:buClrTx/>
+              <a:buFont typeface="Arial" panose="020B0604020202020204" pitchFamily="34" charset="0"/>
+              <a:buChar char="•"/>
+            </a:pPr>
+            <a:endParaRPr lang="en-US" sz="1800" dirty="0"/>
+          </a:p>
+          <a:p>
+            <a:pPr>
+              <a:buClrTx/>
+              <a:buFont typeface="Arial" panose="020B0604020202020204" pitchFamily="34" charset="0"/>
+              <a:buChar char="•"/>
+            </a:pPr>
+            <a:r>
+              <a:rPr lang="en-US" sz="1800" dirty="0"/>
+              <a:t>GPIO</a:t>
+            </a:r>
+          </a:p>
+          <a:p>
+            <a:pPr>
+              <a:buClrTx/>
+              <a:buFont typeface="Arial" panose="020B0604020202020204" pitchFamily="34" charset="0"/>
+              <a:buChar char="•"/>
+            </a:pPr>
+            <a:endParaRPr lang="en-US" sz="1800" dirty="0"/>
+          </a:p>
+          <a:p>
+            <a:pPr>
+              <a:buClrTx/>
+              <a:buFont typeface="Arial" panose="020B0604020202020204" pitchFamily="34" charset="0"/>
+              <a:buChar char="•"/>
+            </a:pPr>
+            <a:r>
+              <a:rPr lang="en-US" sz="1800"/>
+              <a:t>TIM2</a:t>
+            </a:r>
+            <a:endParaRPr lang="en-US" sz="1800" dirty="0"/>
+          </a:p>
+        </p:txBody>
+      </p:sp>
+    </p:spTree>
+    <p:extLst>
+      <p:ext uri="{BB962C8B-B14F-4D97-AF65-F5344CB8AC3E}">
+        <p14:creationId xmlns:p14="http://schemas.microsoft.com/office/powerpoint/2010/main" val="1519411545"/>
+      </p:ext>
+    </p:extLst>
+  </p:cSld>
+  <p:clrMapOvr>
+    <a:masterClrMapping/>
+  </p:clrMapOvr>
+</p:sld>
+</file>
+
+<file path=ppt/slides/slide6.xml><?xml version="1.0" encoding="utf-8"?>
+<p:sld xmlns:a="http://schemas.openxmlformats.org/drawingml/2006/main" xmlns:r="http://schemas.openxmlformats.org/officeDocument/2006/relationships" xmlns:p="http://schemas.openxmlformats.org/presentationml/2006/main">
+  <p:cSld>
+    <p:spTree>
+      <p:nvGrpSpPr>
+        <p:cNvPr id="1" name="Shape 267"/>
+        <p:cNvGrpSpPr/>
+        <p:nvPr/>
+      </p:nvGrpSpPr>
+      <p:grpSpPr>
+        <a:xfrm>
+          <a:off x="0" y="0"/>
+          <a:ext cx="0" cy="0"/>
+          <a:chOff x="0" y="0"/>
+          <a:chExt cx="0" cy="0"/>
+        </a:xfrm>
+      </p:grpSpPr>
+      <p:sp>
+        <p:nvSpPr>
+          <p:cNvPr id="268" name="Google Shape;268;p17"/>
+          <p:cNvSpPr txBox="1">
+            <a:spLocks noGrp="1"/>
+          </p:cNvSpPr>
+          <p:nvPr>
+            <p:ph type="ctrTitle"/>
+          </p:nvPr>
+        </p:nvSpPr>
+        <p:spPr>
+          <a:xfrm>
+            <a:off x="2244384" y="1991850"/>
+            <a:ext cx="4655232" cy="1159800"/>
+          </a:xfrm>
+          <a:prstGeom prst="rect">
+            <a:avLst/>
+          </a:prstGeom>
+        </p:spPr>
+        <p:txBody>
+          <a:bodyPr spcFirstLastPara="1" wrap="square" lIns="91425" tIns="91425" rIns="91425" bIns="91425" anchor="b" anchorCtr="0">
+            <a:noAutofit/>
+          </a:bodyPr>
+          <a:lstStyle/>
+          <a:p>
+            <a:pPr marL="0" lvl="0" indent="0" algn="ctr" rtl="0">
+              <a:spcBef>
+                <a:spcPts val="0"/>
+              </a:spcBef>
+              <a:spcAft>
+                <a:spcPts val="0"/>
+              </a:spcAft>
+              <a:buNone/>
+            </a:pPr>
+            <a:r>
+              <a:rPr lang="en-US" dirty="0"/>
+              <a:t>Before Interrupt Implementation</a:t>
+            </a:r>
+            <a:endParaRPr dirty="0"/>
+          </a:p>
+        </p:txBody>
+      </p:sp>
+    </p:spTree>
+    <p:extLst>
+      <p:ext uri="{BB962C8B-B14F-4D97-AF65-F5344CB8AC3E}">
+        <p14:creationId xmlns:p14="http://schemas.microsoft.com/office/powerpoint/2010/main" val="1746653926"/>
+      </p:ext>
+    </p:extLst>
+  </p:cSld>
+  <p:clrMapOvr>
+    <a:masterClrMapping/>
+  </p:clrMapOvr>
+</p:sld>
+</file>
+
+<file path=ppt/slides/slide7.xml><?xml version="1.0" encoding="utf-8"?>
 <p:sld xmlns:a="http://schemas.openxmlformats.org/drawingml/2006/main" xmlns:r="http://schemas.openxmlformats.org/officeDocument/2006/relationships" xmlns:p="http://schemas.openxmlformats.org/presentationml/2006/main">
   <p:cSld>
     <p:spTree>
@@ -23267,7 +24701,7 @@
             </a:pPr>
             <a:fld id="{00000000-1234-1234-1234-123412341234}" type="slidenum">
               <a:rPr lang="en"/>
-              <a:t>4</a:t>
+              <a:t>7</a:t>
             </a:fld>
             <a:endParaRPr/>
           </a:p>
@@ -23313,7 +24747,771 @@
                   <a:schemeClr val="bg1"/>
                 </a:solidFill>
               </a:rPr>
-              <a:t>Loop Timing</a:t>
+              <a:t>Loop Timing – Before</a:t>
+            </a:r>
+            <a:endParaRPr dirty="0">
+              <a:solidFill>
+                <a:schemeClr val="bg1"/>
+              </a:solidFill>
+            </a:endParaRPr>
+          </a:p>
+        </p:txBody>
+      </p:sp>
+      <p:sp>
+        <p:nvSpPr>
+          <p:cNvPr id="9" name="Google Shape;246;p14">
+            <a:extLst>
+              <a:ext uri="{FF2B5EF4-FFF2-40B4-BE49-F238E27FC236}">
+                <a16:creationId xmlns:a16="http://schemas.microsoft.com/office/drawing/2014/main" id="{25201F7C-F4EC-444A-BE3D-7DEE67039E12}"/>
+              </a:ext>
+            </a:extLst>
+          </p:cNvPr>
+          <p:cNvSpPr txBox="1">
+            <a:spLocks/>
+          </p:cNvSpPr>
+          <p:nvPr/>
+        </p:nvSpPr>
+        <p:spPr>
+          <a:xfrm>
+            <a:off x="532350" y="1526622"/>
+            <a:ext cx="4762849" cy="3213465"/>
+          </a:xfrm>
+          <a:prstGeom prst="rect">
+            <a:avLst/>
+          </a:prstGeom>
+        </p:spPr>
+        <p:txBody>
+          <a:bodyPr spcFirstLastPara="1" wrap="square" lIns="91425" tIns="91425" rIns="91425" bIns="91425" anchor="t" anchorCtr="0">
+            <a:noAutofit/>
+          </a:bodyPr>
+          <a:lstStyle>
+            <a:defPPr marR="0" lvl="0" algn="l" rtl="0">
+              <a:lnSpc>
+                <a:spcPct val="100000"/>
+              </a:lnSpc>
+              <a:spcBef>
+                <a:spcPts val="0"/>
+              </a:spcBef>
+              <a:spcAft>
+                <a:spcPts val="0"/>
+              </a:spcAft>
+            </a:defPPr>
+            <a:lvl1pPr marR="0" lvl="0" algn="l" rtl="0">
+              <a:lnSpc>
+                <a:spcPct val="100000"/>
+              </a:lnSpc>
+              <a:spcBef>
+                <a:spcPts val="0"/>
+              </a:spcBef>
+              <a:spcAft>
+                <a:spcPts val="0"/>
+              </a:spcAft>
+              <a:buClr>
+                <a:srgbClr val="000000"/>
+              </a:buClr>
+              <a:buFont typeface="Arial"/>
+              <a:defRPr sz="1400" b="0" i="0" u="none" strike="noStrike" cap="none">
+                <a:solidFill>
+                  <a:srgbClr val="000000"/>
+                </a:solidFill>
+                <a:latin typeface="Arial"/>
+                <a:ea typeface="Arial"/>
+                <a:cs typeface="Arial"/>
+                <a:sym typeface="Arial"/>
+              </a:defRPr>
+            </a:lvl1pPr>
+            <a:lvl2pPr marR="0" lvl="1" algn="l" rtl="0">
+              <a:lnSpc>
+                <a:spcPct val="100000"/>
+              </a:lnSpc>
+              <a:spcBef>
+                <a:spcPts val="0"/>
+              </a:spcBef>
+              <a:spcAft>
+                <a:spcPts val="0"/>
+              </a:spcAft>
+              <a:buClr>
+                <a:srgbClr val="000000"/>
+              </a:buClr>
+              <a:buFont typeface="Arial"/>
+              <a:defRPr sz="1400" b="0" i="0" u="none" strike="noStrike" cap="none">
+                <a:solidFill>
+                  <a:srgbClr val="000000"/>
+                </a:solidFill>
+                <a:latin typeface="Arial"/>
+                <a:ea typeface="Arial"/>
+                <a:cs typeface="Arial"/>
+                <a:sym typeface="Arial"/>
+              </a:defRPr>
+            </a:lvl2pPr>
+            <a:lvl3pPr marR="0" lvl="2" algn="l" rtl="0">
+              <a:lnSpc>
+                <a:spcPct val="100000"/>
+              </a:lnSpc>
+              <a:spcBef>
+                <a:spcPts val="0"/>
+              </a:spcBef>
+              <a:spcAft>
+                <a:spcPts val="0"/>
+              </a:spcAft>
+              <a:buClr>
+                <a:srgbClr val="000000"/>
+              </a:buClr>
+              <a:buFont typeface="Arial"/>
+              <a:defRPr sz="1400" b="0" i="0" u="none" strike="noStrike" cap="none">
+                <a:solidFill>
+                  <a:srgbClr val="000000"/>
+                </a:solidFill>
+                <a:latin typeface="Arial"/>
+                <a:ea typeface="Arial"/>
+                <a:cs typeface="Arial"/>
+                <a:sym typeface="Arial"/>
+              </a:defRPr>
+            </a:lvl3pPr>
+            <a:lvl4pPr marR="0" lvl="3" algn="l" rtl="0">
+              <a:lnSpc>
+                <a:spcPct val="100000"/>
+              </a:lnSpc>
+              <a:spcBef>
+                <a:spcPts val="0"/>
+              </a:spcBef>
+              <a:spcAft>
+                <a:spcPts val="0"/>
+              </a:spcAft>
+              <a:buClr>
+                <a:srgbClr val="000000"/>
+              </a:buClr>
+              <a:buFont typeface="Arial"/>
+              <a:defRPr sz="1400" b="0" i="0" u="none" strike="noStrike" cap="none">
+                <a:solidFill>
+                  <a:srgbClr val="000000"/>
+                </a:solidFill>
+                <a:latin typeface="Arial"/>
+                <a:ea typeface="Arial"/>
+                <a:cs typeface="Arial"/>
+                <a:sym typeface="Arial"/>
+              </a:defRPr>
+            </a:lvl4pPr>
+            <a:lvl5pPr marR="0" lvl="4" algn="l" rtl="0">
+              <a:lnSpc>
+                <a:spcPct val="100000"/>
+              </a:lnSpc>
+              <a:spcBef>
+                <a:spcPts val="0"/>
+              </a:spcBef>
+              <a:spcAft>
+                <a:spcPts val="0"/>
+              </a:spcAft>
+              <a:buClr>
+                <a:srgbClr val="000000"/>
+              </a:buClr>
+              <a:buFont typeface="Arial"/>
+              <a:defRPr sz="1400" b="0" i="0" u="none" strike="noStrike" cap="none">
+                <a:solidFill>
+                  <a:srgbClr val="000000"/>
+                </a:solidFill>
+                <a:latin typeface="Arial"/>
+                <a:ea typeface="Arial"/>
+                <a:cs typeface="Arial"/>
+                <a:sym typeface="Arial"/>
+              </a:defRPr>
+            </a:lvl5pPr>
+            <a:lvl6pPr marR="0" lvl="5" algn="l" rtl="0">
+              <a:lnSpc>
+                <a:spcPct val="100000"/>
+              </a:lnSpc>
+              <a:spcBef>
+                <a:spcPts val="0"/>
+              </a:spcBef>
+              <a:spcAft>
+                <a:spcPts val="0"/>
+              </a:spcAft>
+              <a:buClr>
+                <a:srgbClr val="000000"/>
+              </a:buClr>
+              <a:buFont typeface="Arial"/>
+              <a:defRPr sz="1400" b="0" i="0" u="none" strike="noStrike" cap="none">
+                <a:solidFill>
+                  <a:srgbClr val="000000"/>
+                </a:solidFill>
+                <a:latin typeface="Arial"/>
+                <a:ea typeface="Arial"/>
+                <a:cs typeface="Arial"/>
+                <a:sym typeface="Arial"/>
+              </a:defRPr>
+            </a:lvl6pPr>
+            <a:lvl7pPr marR="0" lvl="6" algn="l" rtl="0">
+              <a:lnSpc>
+                <a:spcPct val="100000"/>
+              </a:lnSpc>
+              <a:spcBef>
+                <a:spcPts val="0"/>
+              </a:spcBef>
+              <a:spcAft>
+                <a:spcPts val="0"/>
+              </a:spcAft>
+              <a:buClr>
+                <a:srgbClr val="000000"/>
+              </a:buClr>
+              <a:buFont typeface="Arial"/>
+              <a:defRPr sz="1400" b="0" i="0" u="none" strike="noStrike" cap="none">
+                <a:solidFill>
+                  <a:srgbClr val="000000"/>
+                </a:solidFill>
+                <a:latin typeface="Arial"/>
+                <a:ea typeface="Arial"/>
+                <a:cs typeface="Arial"/>
+                <a:sym typeface="Arial"/>
+              </a:defRPr>
+            </a:lvl7pPr>
+            <a:lvl8pPr marR="0" lvl="7" algn="l" rtl="0">
+              <a:lnSpc>
+                <a:spcPct val="100000"/>
+              </a:lnSpc>
+              <a:spcBef>
+                <a:spcPts val="0"/>
+              </a:spcBef>
+              <a:spcAft>
+                <a:spcPts val="0"/>
+              </a:spcAft>
+              <a:buClr>
+                <a:srgbClr val="000000"/>
+              </a:buClr>
+              <a:buFont typeface="Arial"/>
+              <a:defRPr sz="1400" b="0" i="0" u="none" strike="noStrike" cap="none">
+                <a:solidFill>
+                  <a:srgbClr val="000000"/>
+                </a:solidFill>
+                <a:latin typeface="Arial"/>
+                <a:ea typeface="Arial"/>
+                <a:cs typeface="Arial"/>
+                <a:sym typeface="Arial"/>
+              </a:defRPr>
+            </a:lvl8pPr>
+            <a:lvl9pPr marR="0" lvl="8" algn="l" rtl="0">
+              <a:lnSpc>
+                <a:spcPct val="100000"/>
+              </a:lnSpc>
+              <a:spcBef>
+                <a:spcPts val="0"/>
+              </a:spcBef>
+              <a:spcAft>
+                <a:spcPts val="0"/>
+              </a:spcAft>
+              <a:buClr>
+                <a:srgbClr val="000000"/>
+              </a:buClr>
+              <a:buFont typeface="Arial"/>
+              <a:defRPr sz="1400" b="0" i="0" u="none" strike="noStrike" cap="none">
+                <a:solidFill>
+                  <a:srgbClr val="000000"/>
+                </a:solidFill>
+                <a:latin typeface="Arial"/>
+                <a:ea typeface="Arial"/>
+                <a:cs typeface="Arial"/>
+                <a:sym typeface="Arial"/>
+              </a:defRPr>
+            </a:lvl9pPr>
+          </a:lstStyle>
+          <a:p>
+            <a:pPr>
+              <a:buClr>
+                <a:schemeClr val="dk1"/>
+              </a:buClr>
+              <a:buSzPts val="1100"/>
+            </a:pPr>
+            <a:r>
+              <a:rPr lang="en-US" dirty="0">
+                <a:solidFill>
+                  <a:schemeClr val="bg1"/>
+                </a:solidFill>
+                <a:latin typeface="Barlow Light" panose="020B0604020202020204" charset="0"/>
+              </a:rPr>
+              <a:t>- Adjusted the </a:t>
+            </a:r>
+            <a:r>
+              <a:rPr lang="en-US" dirty="0" err="1">
+                <a:solidFill>
+                  <a:schemeClr val="bg1"/>
+                </a:solidFill>
+                <a:latin typeface="Barlow Light" panose="020B0604020202020204" charset="0"/>
+              </a:rPr>
+              <a:t>main.c</a:t>
+            </a:r>
+            <a:r>
+              <a:rPr lang="en-US" dirty="0">
+                <a:solidFill>
+                  <a:schemeClr val="bg1"/>
+                </a:solidFill>
+                <a:latin typeface="Barlow Light" panose="020B0604020202020204" charset="0"/>
+              </a:rPr>
+              <a:t> calibration to test TIM2 ticks.</a:t>
+            </a:r>
+          </a:p>
+          <a:p>
+            <a:pPr>
+              <a:buClr>
+                <a:schemeClr val="dk1"/>
+              </a:buClr>
+              <a:buSzPts val="1100"/>
+            </a:pPr>
+            <a:r>
+              <a:rPr lang="en-US" dirty="0">
+                <a:solidFill>
+                  <a:schemeClr val="bg1"/>
+                </a:solidFill>
+                <a:latin typeface="Barlow Light" panose="020B0604020202020204" charset="0"/>
+              </a:rPr>
+              <a:t>- Looking at the output, 7000 clock ticks match 1 HAL tick </a:t>
+            </a:r>
+          </a:p>
+          <a:p>
+            <a:pPr marL="285750" indent="-285750">
+              <a:buClr>
+                <a:schemeClr val="dk1"/>
+              </a:buClr>
+              <a:buSzPts val="1100"/>
+              <a:buFontTx/>
+              <a:buChar char="-"/>
+            </a:pPr>
+            <a:endParaRPr lang="en-US" dirty="0">
+              <a:solidFill>
+                <a:schemeClr val="bg1"/>
+              </a:solidFill>
+              <a:latin typeface="Barlow Light" panose="020B0604020202020204" charset="0"/>
+            </a:endParaRPr>
+          </a:p>
+          <a:p>
+            <a:pPr>
+              <a:buClr>
+                <a:schemeClr val="dk1"/>
+              </a:buClr>
+              <a:buSzPts val="1100"/>
+            </a:pPr>
+            <a:r>
+              <a:rPr lang="en-US" dirty="0">
+                <a:solidFill>
+                  <a:schemeClr val="bg1"/>
+                </a:solidFill>
+                <a:latin typeface="Barlow Light" panose="020B0604020202020204" charset="0"/>
+              </a:rPr>
+              <a:t>- With best case scenario:</a:t>
+            </a:r>
+          </a:p>
+          <a:p>
+            <a:pPr>
+              <a:buClr>
+                <a:schemeClr val="dk1"/>
+              </a:buClr>
+              <a:buSzPts val="1100"/>
+            </a:pPr>
+            <a:r>
+              <a:rPr lang="en-US" dirty="0">
+                <a:solidFill>
+                  <a:schemeClr val="bg1"/>
+                </a:solidFill>
+                <a:latin typeface="Barlow Light" panose="020B0604020202020204" charset="0"/>
+              </a:rPr>
+              <a:t>	- ADC: </a:t>
+            </a:r>
+            <a:r>
+              <a:rPr lang="en-US" b="1" dirty="0">
+                <a:solidFill>
+                  <a:schemeClr val="bg1"/>
+                </a:solidFill>
+                <a:latin typeface="Barlow Light" panose="020B0604020202020204" charset="0"/>
+              </a:rPr>
+              <a:t>1.14 us</a:t>
+            </a:r>
+          </a:p>
+          <a:p>
+            <a:pPr>
+              <a:buClr>
+                <a:schemeClr val="dk1"/>
+              </a:buClr>
+              <a:buSzPts val="1100"/>
+            </a:pPr>
+            <a:r>
+              <a:rPr lang="en-US" dirty="0">
+                <a:solidFill>
+                  <a:schemeClr val="bg1"/>
+                </a:solidFill>
+                <a:latin typeface="Barlow Light" panose="020B0604020202020204" charset="0"/>
+              </a:rPr>
+              <a:t>	- Rx: </a:t>
+            </a:r>
+            <a:r>
+              <a:rPr lang="en-US" b="1" dirty="0">
+                <a:solidFill>
+                  <a:schemeClr val="bg1"/>
+                </a:solidFill>
+                <a:latin typeface="Barlow Light" panose="020B0604020202020204" charset="0"/>
+              </a:rPr>
+              <a:t>2.29 us</a:t>
+            </a:r>
+          </a:p>
+          <a:p>
+            <a:pPr>
+              <a:buClr>
+                <a:schemeClr val="dk1"/>
+              </a:buClr>
+              <a:buSzPts val="1100"/>
+            </a:pPr>
+            <a:r>
+              <a:rPr lang="en-US" dirty="0">
+                <a:solidFill>
+                  <a:schemeClr val="bg1"/>
+                </a:solidFill>
+                <a:latin typeface="Barlow Light" panose="020B0604020202020204" charset="0"/>
+              </a:rPr>
+              <a:t>	- Tx: </a:t>
+            </a:r>
+            <a:r>
+              <a:rPr lang="en-US" b="1" dirty="0">
+                <a:solidFill>
+                  <a:schemeClr val="bg1"/>
+                </a:solidFill>
+                <a:latin typeface="Barlow Light" panose="020B0604020202020204" charset="0"/>
+              </a:rPr>
+              <a:t>0.56 us</a:t>
+            </a:r>
+          </a:p>
+          <a:p>
+            <a:pPr>
+              <a:buClr>
+                <a:schemeClr val="dk1"/>
+              </a:buClr>
+              <a:buSzPts val="1100"/>
+            </a:pPr>
+            <a:r>
+              <a:rPr lang="en-US" dirty="0">
+                <a:solidFill>
+                  <a:schemeClr val="bg1"/>
+                </a:solidFill>
+                <a:latin typeface="Barlow Light" panose="020B0604020202020204" charset="0"/>
+              </a:rPr>
+              <a:t>	- Inner loop (all 3 tasks): </a:t>
+            </a:r>
+            <a:r>
+              <a:rPr lang="en-US" b="1" dirty="0">
+                <a:solidFill>
+                  <a:schemeClr val="bg1"/>
+                </a:solidFill>
+                <a:latin typeface="Barlow Light" panose="020B0604020202020204" charset="0"/>
+              </a:rPr>
+              <a:t>13.86 us</a:t>
+            </a:r>
+          </a:p>
+          <a:p>
+            <a:pPr>
+              <a:buClr>
+                <a:schemeClr val="dk1"/>
+              </a:buClr>
+              <a:buSzPts val="1100"/>
+            </a:pPr>
+            <a:r>
+              <a:rPr lang="en-US" dirty="0">
+                <a:solidFill>
+                  <a:schemeClr val="bg1"/>
+                </a:solidFill>
+                <a:latin typeface="Barlow Light" panose="020B0604020202020204" charset="0"/>
+              </a:rPr>
+              <a:t>	- Outer loop (sch_loop): </a:t>
+            </a:r>
+            <a:r>
+              <a:rPr lang="en-US" b="1" dirty="0">
+                <a:solidFill>
+                  <a:schemeClr val="bg1"/>
+                </a:solidFill>
+                <a:latin typeface="Barlow Light" panose="020B0604020202020204" charset="0"/>
+              </a:rPr>
+              <a:t>15.72 us</a:t>
+            </a:r>
+          </a:p>
+          <a:p>
+            <a:pPr>
+              <a:buClr>
+                <a:schemeClr val="dk1"/>
+              </a:buClr>
+              <a:buSzPts val="1100"/>
+            </a:pPr>
+            <a:r>
+              <a:rPr lang="en-US" dirty="0">
+                <a:solidFill>
+                  <a:schemeClr val="bg1"/>
+                </a:solidFill>
+                <a:latin typeface="Barlow Light" panose="020B0604020202020204" charset="0"/>
+              </a:rPr>
+              <a:t>	- Blink loop: </a:t>
+            </a:r>
+            <a:r>
+              <a:rPr lang="en-US" b="1" dirty="0">
+                <a:solidFill>
+                  <a:schemeClr val="bg1"/>
+                </a:solidFill>
+                <a:latin typeface="Barlow Light" panose="020B0604020202020204" charset="0"/>
+              </a:rPr>
+              <a:t>1001 </a:t>
+            </a:r>
+            <a:r>
+              <a:rPr lang="en-US" b="1" dirty="0" err="1">
+                <a:solidFill>
+                  <a:schemeClr val="bg1"/>
+                </a:solidFill>
+                <a:latin typeface="Barlow Light" panose="020B0604020202020204" charset="0"/>
+              </a:rPr>
+              <a:t>ms</a:t>
+            </a:r>
+            <a:endParaRPr lang="en-US" b="1" dirty="0">
+              <a:solidFill>
+                <a:schemeClr val="bg1"/>
+              </a:solidFill>
+              <a:latin typeface="Barlow Light" panose="020B0604020202020204" charset="0"/>
+            </a:endParaRPr>
+          </a:p>
+        </p:txBody>
+      </p:sp>
+      <p:sp>
+        <p:nvSpPr>
+          <p:cNvPr id="4" name="TextBox 3">
+            <a:extLst>
+              <a:ext uri="{FF2B5EF4-FFF2-40B4-BE49-F238E27FC236}">
+                <a16:creationId xmlns:a16="http://schemas.microsoft.com/office/drawing/2014/main" id="{FF10BDCA-B905-41C6-9E9E-5BEF21D78279}"/>
+              </a:ext>
+            </a:extLst>
+          </p:cNvPr>
+          <p:cNvSpPr txBox="1"/>
+          <p:nvPr/>
+        </p:nvSpPr>
+        <p:spPr>
+          <a:xfrm>
+            <a:off x="5128862" y="1781944"/>
+            <a:ext cx="3482788" cy="215444"/>
+          </a:xfrm>
+          <a:prstGeom prst="rect">
+            <a:avLst/>
+          </a:prstGeom>
+          <a:noFill/>
+        </p:spPr>
+        <p:txBody>
+          <a:bodyPr wrap="square" rtlCol="0">
+            <a:spAutoFit/>
+          </a:bodyPr>
+          <a:lstStyle/>
+          <a:p>
+            <a:pPr algn="ctr"/>
+            <a:r>
+              <a:rPr lang="en-US" sz="800" i="1" dirty="0">
+                <a:latin typeface="Calibri" panose="020F0502020204030204" pitchFamily="34" charset="0"/>
+                <a:cs typeface="Calibri" panose="020F0502020204030204" pitchFamily="34" charset="0"/>
+              </a:rPr>
+              <a:t>Com 3 Output – Timing Calibration</a:t>
+            </a:r>
+          </a:p>
+        </p:txBody>
+      </p:sp>
+      <p:pic>
+        <p:nvPicPr>
+          <p:cNvPr id="3" name="Picture 2">
+            <a:extLst>
+              <a:ext uri="{FF2B5EF4-FFF2-40B4-BE49-F238E27FC236}">
+                <a16:creationId xmlns:a16="http://schemas.microsoft.com/office/drawing/2014/main" id="{EA18C0AF-3EE2-4DCE-8A4D-30E2B0C93933}"/>
+              </a:ext>
+            </a:extLst>
+          </p:cNvPr>
+          <p:cNvPicPr>
+            <a:picLocks noChangeAspect="1"/>
+          </p:cNvPicPr>
+          <p:nvPr/>
+        </p:nvPicPr>
+        <p:blipFill rotWithShape="1">
+          <a:blip r:embed="rId3"/>
+          <a:srcRect b="37103"/>
+          <a:stretch/>
+        </p:blipFill>
+        <p:spPr>
+          <a:xfrm>
+            <a:off x="5507271" y="300826"/>
+            <a:ext cx="2810435" cy="1529341"/>
+          </a:xfrm>
+          <a:prstGeom prst="rect">
+            <a:avLst/>
+          </a:prstGeom>
+        </p:spPr>
+      </p:pic>
+      <p:pic>
+        <p:nvPicPr>
+          <p:cNvPr id="5" name="Picture 4">
+            <a:extLst>
+              <a:ext uri="{FF2B5EF4-FFF2-40B4-BE49-F238E27FC236}">
+                <a16:creationId xmlns:a16="http://schemas.microsoft.com/office/drawing/2014/main" id="{6DAB93A9-5C8B-426C-93FA-95090338171F}"/>
+              </a:ext>
+            </a:extLst>
+          </p:cNvPr>
+          <p:cNvPicPr>
+            <a:picLocks noChangeAspect="1"/>
+          </p:cNvPicPr>
+          <p:nvPr/>
+        </p:nvPicPr>
+        <p:blipFill>
+          <a:blip r:embed="rId4"/>
+          <a:stretch>
+            <a:fillRect/>
+          </a:stretch>
+        </p:blipFill>
+        <p:spPr>
+          <a:xfrm>
+            <a:off x="5507271" y="2064676"/>
+            <a:ext cx="3058645" cy="2675411"/>
+          </a:xfrm>
+          <a:prstGeom prst="rect">
+            <a:avLst/>
+          </a:prstGeom>
+        </p:spPr>
+      </p:pic>
+      <p:sp>
+        <p:nvSpPr>
+          <p:cNvPr id="10" name="TextBox 9">
+            <a:extLst>
+              <a:ext uri="{FF2B5EF4-FFF2-40B4-BE49-F238E27FC236}">
+                <a16:creationId xmlns:a16="http://schemas.microsoft.com/office/drawing/2014/main" id="{0F37A896-321B-42CF-8F93-B964C9556BBF}"/>
+              </a:ext>
+            </a:extLst>
+          </p:cNvPr>
+          <p:cNvSpPr txBox="1"/>
+          <p:nvPr/>
+        </p:nvSpPr>
+        <p:spPr>
+          <a:xfrm>
+            <a:off x="5295199" y="4740087"/>
+            <a:ext cx="3482788" cy="215444"/>
+          </a:xfrm>
+          <a:prstGeom prst="rect">
+            <a:avLst/>
+          </a:prstGeom>
+          <a:noFill/>
+        </p:spPr>
+        <p:txBody>
+          <a:bodyPr wrap="square" rtlCol="0">
+            <a:spAutoFit/>
+          </a:bodyPr>
+          <a:lstStyle/>
+          <a:p>
+            <a:pPr algn="ctr"/>
+            <a:r>
+              <a:rPr lang="en-US" sz="800" i="1" dirty="0">
+                <a:latin typeface="Calibri" panose="020F0502020204030204" pitchFamily="34" charset="0"/>
+                <a:cs typeface="Calibri" panose="020F0502020204030204" pitchFamily="34" charset="0"/>
+              </a:rPr>
+              <a:t>Com 3 Output – Best Case Timing</a:t>
+            </a:r>
+          </a:p>
+        </p:txBody>
+      </p:sp>
+    </p:spTree>
+  </p:cSld>
+  <p:clrMapOvr>
+    <a:masterClrMapping/>
+  </p:clrMapOvr>
+</p:sld>
+</file>
+
+<file path=ppt/slides/slide8.xml><?xml version="1.0" encoding="utf-8"?>
+<p:sld xmlns:a="http://schemas.openxmlformats.org/drawingml/2006/main" xmlns:r="http://schemas.openxmlformats.org/officeDocument/2006/relationships" xmlns:p="http://schemas.openxmlformats.org/presentationml/2006/main">
+  <p:cSld>
+    <p:spTree>
+      <p:nvGrpSpPr>
+        <p:cNvPr id="1" name="Shape 260"/>
+        <p:cNvGrpSpPr/>
+        <p:nvPr/>
+      </p:nvGrpSpPr>
+      <p:grpSpPr>
+        <a:xfrm>
+          <a:off x="0" y="0"/>
+          <a:ext cx="0" cy="0"/>
+          <a:chOff x="0" y="0"/>
+          <a:chExt cx="0" cy="0"/>
+        </a:xfrm>
+      </p:grpSpPr>
+      <p:sp>
+        <p:nvSpPr>
+          <p:cNvPr id="263" name="Google Shape;263;p16"/>
+          <p:cNvSpPr txBox="1">
+            <a:spLocks noGrp="1"/>
+          </p:cNvSpPr>
+          <p:nvPr>
+            <p:ph type="sldNum" idx="12"/>
+          </p:nvPr>
+        </p:nvSpPr>
+        <p:spPr>
+          <a:prstGeom prst="rect">
+            <a:avLst/>
+          </a:prstGeom>
+        </p:spPr>
+        <p:txBody>
+          <a:bodyPr spcFirstLastPara="1" wrap="square" lIns="91425" tIns="91425" rIns="91425" bIns="91425" anchor="ctr" anchorCtr="0">
+            <a:noAutofit/>
+          </a:bodyPr>
+          <a:lstStyle/>
+          <a:p>
+            <a:pPr marL="0" lvl="0" indent="0" algn="ctr" rtl="0">
+              <a:spcBef>
+                <a:spcPts val="0"/>
+              </a:spcBef>
+              <a:spcAft>
+                <a:spcPts val="0"/>
+              </a:spcAft>
+              <a:buNone/>
+            </a:pPr>
+            <a:fld id="{00000000-1234-1234-1234-123412341234}" type="slidenum">
+              <a:rPr lang="en"/>
+              <a:t>8</a:t>
+            </a:fld>
+            <a:endParaRPr/>
+          </a:p>
+        </p:txBody>
+      </p:sp>
+      <p:sp>
+        <p:nvSpPr>
+          <p:cNvPr id="261" name="Google Shape;261;p16"/>
+          <p:cNvSpPr txBox="1">
+            <a:spLocks noGrp="1"/>
+          </p:cNvSpPr>
+          <p:nvPr>
+            <p:ph type="title" idx="4294967295"/>
+          </p:nvPr>
+        </p:nvSpPr>
+        <p:spPr>
+          <a:xfrm>
+            <a:off x="477369" y="594440"/>
+            <a:ext cx="5138738" cy="857250"/>
+          </a:xfrm>
+          <a:prstGeom prst="rect">
+            <a:avLst/>
+          </a:prstGeom>
+        </p:spPr>
+        <p:txBody>
+          <a:bodyPr spcFirstLastPara="1" wrap="square" lIns="91425" tIns="91425" rIns="91425" bIns="91425" anchor="b" anchorCtr="0">
+            <a:noAutofit/>
+          </a:bodyPr>
+          <a:lstStyle/>
+          <a:p>
+            <a:pPr marL="0" lvl="0" indent="0" algn="l" rtl="0">
+              <a:spcBef>
+                <a:spcPts val="0"/>
+              </a:spcBef>
+              <a:spcAft>
+                <a:spcPts val="0"/>
+              </a:spcAft>
+              <a:buNone/>
+            </a:pPr>
+            <a:r>
+              <a:rPr lang="en" dirty="0">
+                <a:solidFill>
+                  <a:schemeClr val="bg1"/>
+                </a:solidFill>
+              </a:rPr>
+              <a:t>Loop Timing - Before</a:t>
             </a:r>
             <a:endParaRPr dirty="0">
               <a:solidFill>
@@ -23587,31 +25785,13 @@
               <a:buSzPts val="1100"/>
             </a:pPr>
             <a:r>
-              <a:rPr lang="en-US" b="1" dirty="0">
+              <a:rPr lang="en-US" dirty="0">
                 <a:solidFill>
                   <a:schemeClr val="bg1"/>
                 </a:solidFill>
                 <a:latin typeface="Barlow Light" panose="020B0604020202020204" charset="0"/>
               </a:rPr>
-              <a:t>- Adjusted the </a:t>
-            </a:r>
-            <a:r>
-              <a:rPr lang="en-US" b="1" dirty="0" err="1">
-                <a:solidFill>
-                  <a:schemeClr val="bg1"/>
-                </a:solidFill>
-                <a:latin typeface="Barlow Light" panose="020B0604020202020204" charset="0"/>
-              </a:rPr>
-              <a:t>main.c</a:t>
-            </a:r>
-            <a:r>
-              <a:rPr lang="en-US" b="1" dirty="0">
-                <a:solidFill>
-                  <a:schemeClr val="bg1"/>
-                </a:solidFill>
-                <a:latin typeface="Barlow Light" panose="020B0604020202020204" charset="0"/>
-              </a:rPr>
-              <a:t> calibration to test TIM2 ticks.</a:t>
+              <a:t>- Worst case scenario was made by holding T on the keyboard (engaged Rx &amp; ADC tasks) and the button (engaged Tx task).</a:t>
             </a:r>
           </a:p>
           <a:p>
@@ -23622,30 +25802,13 @@
               <a:buSzPts val="1100"/>
             </a:pPr>
             <a:r>
-              <a:rPr lang="en-US" b="1" dirty="0">
+              <a:rPr lang="en-US" dirty="0">
                 <a:solidFill>
                   <a:schemeClr val="bg1"/>
                 </a:solidFill>
                 <a:latin typeface="Barlow Light" panose="020B0604020202020204" charset="0"/>
               </a:rPr>
-              <a:t>- Looking at the output, 1000 clock ticks match 1 HAL tick .</a:t>
-            </a:r>
-          </a:p>
-          <a:p>
-            <a:pPr lvl="3">
-              <a:buClr>
-                <a:schemeClr val="dk1"/>
-              </a:buClr>
-              <a:buSzPts val="1100"/>
-            </a:pPr>
-            <a:r>
-              <a:rPr lang="en-US" b="1" dirty="0">
-                <a:solidFill>
-                  <a:schemeClr val="bg1"/>
-                </a:solidFill>
-                <a:latin typeface="Barlow Light" panose="020B0604020202020204" charset="0"/>
-              </a:rPr>
-              <a:t>- HAL tick is set up by the system so that each tick is 1ms, or 1/1000 of the processor clock speed.</a:t>
+              <a:t>- These were held until timings were output</a:t>
             </a:r>
           </a:p>
           <a:p>
@@ -23655,6 +25818,179 @@
               </a:buClr>
               <a:buSzPts val="1100"/>
             </a:pPr>
+            <a:r>
+              <a:rPr lang="en-US" dirty="0">
+                <a:solidFill>
+                  <a:schemeClr val="bg1"/>
+                </a:solidFill>
+                <a:latin typeface="Barlow Light" panose="020B0604020202020204" charset="0"/>
+              </a:rPr>
+              <a:t>- With best case scenario:</a:t>
+            </a:r>
+          </a:p>
+          <a:p>
+            <a:pPr>
+              <a:buClr>
+                <a:schemeClr val="dk1"/>
+              </a:buClr>
+              <a:buSzPts val="1100"/>
+            </a:pPr>
+            <a:r>
+              <a:rPr lang="en-US" dirty="0">
+                <a:solidFill>
+                  <a:schemeClr val="bg1"/>
+                </a:solidFill>
+                <a:latin typeface="Barlow Light" panose="020B0604020202020204" charset="0"/>
+              </a:rPr>
+              <a:t>	- ADC: </a:t>
+            </a:r>
+            <a:r>
+              <a:rPr lang="en-US" b="1" dirty="0">
+                <a:solidFill>
+                  <a:schemeClr val="bg1"/>
+                </a:solidFill>
+                <a:latin typeface="Barlow Light" panose="020B0604020202020204" charset="0"/>
+              </a:rPr>
+              <a:t>9.57 us</a:t>
+            </a:r>
+          </a:p>
+          <a:p>
+            <a:pPr>
+              <a:buClr>
+                <a:schemeClr val="dk1"/>
+              </a:buClr>
+              <a:buSzPts val="1100"/>
+            </a:pPr>
+            <a:r>
+              <a:rPr lang="en-US" dirty="0">
+                <a:solidFill>
+                  <a:schemeClr val="bg1"/>
+                </a:solidFill>
+                <a:latin typeface="Barlow Light" panose="020B0604020202020204" charset="0"/>
+              </a:rPr>
+              <a:t>	- Rx: </a:t>
+            </a:r>
+            <a:r>
+              <a:rPr lang="en-US" b="1" dirty="0">
+                <a:solidFill>
+                  <a:schemeClr val="bg1"/>
+                </a:solidFill>
+                <a:latin typeface="Barlow Light" panose="020B0604020202020204" charset="0"/>
+              </a:rPr>
+              <a:t>2.43 us</a:t>
+            </a:r>
+          </a:p>
+          <a:p>
+            <a:pPr>
+              <a:buClr>
+                <a:schemeClr val="dk1"/>
+              </a:buClr>
+              <a:buSzPts val="1100"/>
+            </a:pPr>
+            <a:r>
+              <a:rPr lang="en-US" dirty="0">
+                <a:solidFill>
+                  <a:schemeClr val="bg1"/>
+                </a:solidFill>
+                <a:latin typeface="Barlow Light" panose="020B0604020202020204" charset="0"/>
+              </a:rPr>
+              <a:t>	- Tx: </a:t>
+            </a:r>
+            <a:r>
+              <a:rPr lang="en-US" b="1" dirty="0">
+                <a:solidFill>
+                  <a:schemeClr val="bg1"/>
+                </a:solidFill>
+                <a:latin typeface="Barlow Light" panose="020B0604020202020204" charset="0"/>
+              </a:rPr>
+              <a:t>601.00 us</a:t>
+            </a:r>
+          </a:p>
+          <a:p>
+            <a:pPr>
+              <a:buClr>
+                <a:schemeClr val="dk1"/>
+              </a:buClr>
+              <a:buSzPts val="1100"/>
+            </a:pPr>
+            <a:r>
+              <a:rPr lang="en-US" dirty="0">
+                <a:solidFill>
+                  <a:schemeClr val="bg1"/>
+                </a:solidFill>
+                <a:latin typeface="Barlow Light" panose="020B0604020202020204" charset="0"/>
+              </a:rPr>
+              <a:t>	- Inner loop (all 3 tasks): </a:t>
+            </a:r>
+            <a:r>
+              <a:rPr lang="en-US" b="1" dirty="0">
+                <a:solidFill>
+                  <a:schemeClr val="bg1"/>
+                </a:solidFill>
+                <a:latin typeface="Barlow Light" panose="020B0604020202020204" charset="0"/>
+              </a:rPr>
+              <a:t>622.71 us</a:t>
+            </a:r>
+          </a:p>
+          <a:p>
+            <a:pPr>
+              <a:buClr>
+                <a:schemeClr val="dk1"/>
+              </a:buClr>
+              <a:buSzPts val="1100"/>
+            </a:pPr>
+            <a:r>
+              <a:rPr lang="en-US" dirty="0">
+                <a:solidFill>
+                  <a:schemeClr val="bg1"/>
+                </a:solidFill>
+                <a:latin typeface="Barlow Light" panose="020B0604020202020204" charset="0"/>
+              </a:rPr>
+              <a:t>	- Outer loop (sch_loop): 624.29 us</a:t>
+            </a:r>
+          </a:p>
+          <a:p>
+            <a:pPr>
+              <a:buClr>
+                <a:schemeClr val="dk1"/>
+              </a:buClr>
+              <a:buSzPts val="1100"/>
+            </a:pPr>
+            <a:r>
+              <a:rPr lang="en-US" dirty="0">
+                <a:solidFill>
+                  <a:schemeClr val="bg1"/>
+                </a:solidFill>
+                <a:latin typeface="Barlow Light" panose="020B0604020202020204" charset="0"/>
+              </a:rPr>
+              <a:t>	- Blink loop: </a:t>
+            </a:r>
+            <a:r>
+              <a:rPr lang="en-US" b="1" dirty="0">
+                <a:solidFill>
+                  <a:schemeClr val="bg1"/>
+                </a:solidFill>
+                <a:latin typeface="Barlow Light" panose="020B0604020202020204" charset="0"/>
+              </a:rPr>
+              <a:t>1001 </a:t>
+            </a:r>
+            <a:r>
+              <a:rPr lang="en-US" b="1" dirty="0" err="1">
+                <a:solidFill>
+                  <a:schemeClr val="bg1"/>
+                </a:solidFill>
+                <a:latin typeface="Barlow Light" panose="020B0604020202020204" charset="0"/>
+              </a:rPr>
+              <a:t>ms</a:t>
+            </a:r>
+            <a:br>
+              <a:rPr lang="en-US" b="1" dirty="0">
+                <a:solidFill>
+                  <a:schemeClr val="bg1"/>
+                </a:solidFill>
+                <a:latin typeface="Barlow Light" panose="020B0604020202020204" charset="0"/>
+              </a:rPr>
+            </a:br>
             <a:endParaRPr lang="en-US" b="1" dirty="0">
               <a:solidFill>
                 <a:schemeClr val="bg1"/>
@@ -23670,95 +26006,13 @@
               <a:buSzPts val="1100"/>
             </a:pPr>
             <a:r>
-              <a:rPr lang="en-US" b="1" dirty="0">
+              <a:rPr lang="en-US" dirty="0">
                 <a:solidFill>
                   <a:schemeClr val="bg1"/>
                 </a:solidFill>
                 <a:latin typeface="Barlow Light" panose="020B0604020202020204" charset="0"/>
               </a:rPr>
-              <a:t>- The inner loop and outer loops are timed automatically in the code and the average runtimes are output to COM3. </a:t>
-            </a:r>
-          </a:p>
-          <a:p>
-            <a:pPr>
-              <a:buClr>
-                <a:schemeClr val="dk1"/>
-              </a:buClr>
-              <a:buSzPts val="1100"/>
-            </a:pPr>
-            <a:endParaRPr lang="en-US" b="1" dirty="0">
-              <a:solidFill>
-                <a:schemeClr val="bg1"/>
-              </a:solidFill>
-              <a:latin typeface="Barlow Light" panose="020B0604020202020204" charset="0"/>
-            </a:endParaRPr>
-          </a:p>
-          <a:p>
-            <a:pPr>
-              <a:buClr>
-                <a:schemeClr val="dk1"/>
-              </a:buClr>
-              <a:buSzPts val="1100"/>
-            </a:pPr>
-            <a:r>
-              <a:rPr lang="en-US" b="1" dirty="0">
-                <a:solidFill>
-                  <a:schemeClr val="bg1"/>
-                </a:solidFill>
-                <a:latin typeface="Barlow Light" panose="020B0604020202020204" charset="0"/>
-              </a:rPr>
-              <a:t>- The inner loop runs at 1.0us average.</a:t>
-            </a:r>
-          </a:p>
-          <a:p>
-            <a:pPr>
-              <a:buClr>
-                <a:schemeClr val="dk1"/>
-              </a:buClr>
-              <a:buSzPts val="1100"/>
-            </a:pPr>
-            <a:r>
-              <a:rPr lang="en-US" b="1" dirty="0">
-                <a:solidFill>
-                  <a:schemeClr val="bg1"/>
-                </a:solidFill>
-                <a:latin typeface="Barlow Light" panose="020B0604020202020204" charset="0"/>
-              </a:rPr>
-              <a:t>- The outer loop runs at 1.2us average.</a:t>
-            </a:r>
-          </a:p>
-          <a:p>
-            <a:pPr>
-              <a:buClr>
-                <a:schemeClr val="dk1"/>
-              </a:buClr>
-              <a:buSzPts val="1100"/>
-            </a:pPr>
-            <a:r>
-              <a:rPr lang="en-US" b="1" dirty="0">
-                <a:solidFill>
-                  <a:schemeClr val="bg1"/>
-                </a:solidFill>
-                <a:latin typeface="Barlow Light" panose="020B0604020202020204" charset="0"/>
-              </a:rPr>
-              <a:t>- The blink loop runs at 1001.00ms, or 1.001s on average.</a:t>
-            </a:r>
-          </a:p>
-          <a:p>
-            <a:pPr>
-              <a:buClr>
-                <a:schemeClr val="dk1"/>
-              </a:buClr>
-              <a:buSzPts val="1100"/>
-            </a:pPr>
-            <a:r>
-              <a:rPr lang="en-US" b="1" dirty="0">
-                <a:solidFill>
-                  <a:schemeClr val="bg1"/>
-                </a:solidFill>
-                <a:latin typeface="Barlow Light" panose="020B0604020202020204" charset="0"/>
-              </a:rPr>
-              <a:t>    - This is slightly higher than expected.</a:t>
+              <a:t>- Every single task timing increased</a:t>
             </a:r>
           </a:p>
         </p:txBody>
@@ -23777,7 +26031,7 @@
         </p:nvSpPr>
         <p:spPr>
           <a:xfrm>
-            <a:off x="5217459" y="3681443"/>
+            <a:off x="4877077" y="3956843"/>
             <a:ext cx="3482788" cy="215444"/>
           </a:xfrm>
           <a:prstGeom prst="rect">
@@ -23797,42 +26051,178 @@
                 <a:latin typeface="Calibri" panose="020F0502020204030204" pitchFamily="34" charset="0"/>
                 <a:cs typeface="Calibri" panose="020F0502020204030204" pitchFamily="34" charset="0"/>
               </a:rPr>
-              <a:t>Image: COM3 output</a:t>
+              <a:t>Image: COM3 output – worst case</a:t>
             </a:r>
           </a:p>
         </p:txBody>
       </p:sp>
-      <p:pic>
-        <p:nvPicPr>
-          <p:cNvPr id="12" name="Picture 11">
+      <p:grpSp>
+        <p:nvGrpSpPr>
+          <p:cNvPr id="12" name="Group 11">
             <a:extLst>
               <a:ext uri="{FF2B5EF4-FFF2-40B4-BE49-F238E27FC236}">
-                <a16:creationId xmlns:a16="http://schemas.microsoft.com/office/drawing/2014/main" id="{785E62B7-FBAB-41DB-AA98-E5816516371E}"/>
+                <a16:creationId xmlns:a16="http://schemas.microsoft.com/office/drawing/2014/main" id="{E6771E17-7C89-4CFB-9F27-94D98A5372CE}"/>
               </a:ext>
             </a:extLst>
           </p:cNvPr>
-          <p:cNvPicPr>
-            <a:picLocks noChangeAspect="1"/>
-          </p:cNvPicPr>
+          <p:cNvGrpSpPr/>
           <p:nvPr/>
-        </p:nvPicPr>
-        <p:blipFill>
-          <a:blip r:embed="rId3"/>
-          <a:stretch>
-            <a:fillRect/>
-          </a:stretch>
-        </p:blipFill>
-        <p:spPr>
+        </p:nvGrpSpPr>
+        <p:grpSpPr>
           <a:xfrm>
-            <a:off x="5217459" y="1317812"/>
-            <a:ext cx="3624992" cy="2363631"/>
+            <a:off x="4877077" y="1127847"/>
+            <a:ext cx="3819525" cy="2800343"/>
+            <a:chOff x="4877077" y="1127847"/>
+            <a:chExt cx="3819525" cy="2800343"/>
           </a:xfrm>
-          <a:prstGeom prst="rect">
-            <a:avLst/>
-          </a:prstGeom>
-        </p:spPr>
-      </p:pic>
+        </p:grpSpPr>
+        <p:grpSp>
+          <p:nvGrpSpPr>
+            <p:cNvPr id="10" name="Group 9">
+              <a:extLst>
+                <a:ext uri="{FF2B5EF4-FFF2-40B4-BE49-F238E27FC236}">
+                  <a16:creationId xmlns:a16="http://schemas.microsoft.com/office/drawing/2014/main" id="{0E926F02-E63D-43F9-9BB5-3C91720DD37B}"/>
+                </a:ext>
+              </a:extLst>
+            </p:cNvPr>
+            <p:cNvGrpSpPr/>
+            <p:nvPr/>
+          </p:nvGrpSpPr>
+          <p:grpSpPr>
+            <a:xfrm>
+              <a:off x="4877077" y="1127847"/>
+              <a:ext cx="3800475" cy="2324093"/>
+              <a:chOff x="4877078" y="1645559"/>
+              <a:chExt cx="3800475" cy="2324093"/>
+            </a:xfrm>
+          </p:grpSpPr>
+          <p:pic>
+            <p:nvPicPr>
+              <p:cNvPr id="6" name="Picture 5">
+                <a:extLst>
+                  <a:ext uri="{FF2B5EF4-FFF2-40B4-BE49-F238E27FC236}">
+                    <a16:creationId xmlns:a16="http://schemas.microsoft.com/office/drawing/2014/main" id="{98EAD0EB-B486-4630-A01D-44B192A9157B}"/>
+                  </a:ext>
+                </a:extLst>
+              </p:cNvPr>
+              <p:cNvPicPr>
+                <a:picLocks noChangeAspect="1"/>
+              </p:cNvPicPr>
+              <p:nvPr/>
+            </p:nvPicPr>
+            <p:blipFill rotWithShape="1">
+              <a:blip r:embed="rId3"/>
+              <a:srcRect l="1405"/>
+              <a:stretch/>
+            </p:blipFill>
+            <p:spPr>
+              <a:xfrm>
+                <a:off x="4877078" y="1645559"/>
+                <a:ext cx="3596806" cy="752475"/>
+              </a:xfrm>
+              <a:prstGeom prst="rect">
+                <a:avLst/>
+              </a:prstGeom>
+            </p:spPr>
+          </p:pic>
+          <p:pic>
+            <p:nvPicPr>
+              <p:cNvPr id="7" name="Picture 6">
+                <a:extLst>
+                  <a:ext uri="{FF2B5EF4-FFF2-40B4-BE49-F238E27FC236}">
+                    <a16:creationId xmlns:a16="http://schemas.microsoft.com/office/drawing/2014/main" id="{CB0BC3EC-7A73-4F9D-95D3-765FAC0C3735}"/>
+                  </a:ext>
+                </a:extLst>
+              </p:cNvPr>
+              <p:cNvPicPr>
+                <a:picLocks noChangeAspect="1"/>
+              </p:cNvPicPr>
+              <p:nvPr/>
+            </p:nvPicPr>
+            <p:blipFill>
+              <a:blip r:embed="rId4"/>
+              <a:stretch>
+                <a:fillRect/>
+              </a:stretch>
+            </p:blipFill>
+            <p:spPr>
+              <a:xfrm>
+                <a:off x="4877078" y="2559952"/>
+                <a:ext cx="3800475" cy="1409700"/>
+              </a:xfrm>
+              <a:prstGeom prst="rect">
+                <a:avLst/>
+              </a:prstGeom>
+            </p:spPr>
+          </p:pic>
+          <p:pic>
+            <p:nvPicPr>
+              <p:cNvPr id="8" name="Picture 7">
+                <a:extLst>
+                  <a:ext uri="{FF2B5EF4-FFF2-40B4-BE49-F238E27FC236}">
+                    <a16:creationId xmlns:a16="http://schemas.microsoft.com/office/drawing/2014/main" id="{240FC6A8-AD0E-4188-88F7-E6BC2367C4E9}"/>
+                  </a:ext>
+                </a:extLst>
+              </p:cNvPr>
+              <p:cNvPicPr>
+                <a:picLocks noChangeAspect="1"/>
+              </p:cNvPicPr>
+              <p:nvPr/>
+            </p:nvPicPr>
+            <p:blipFill>
+              <a:blip r:embed="rId5"/>
+              <a:stretch>
+                <a:fillRect/>
+              </a:stretch>
+            </p:blipFill>
+            <p:spPr>
+              <a:xfrm>
+                <a:off x="4877078" y="2381250"/>
+                <a:ext cx="2819400" cy="190500"/>
+              </a:xfrm>
+              <a:prstGeom prst="rect">
+                <a:avLst/>
+              </a:prstGeom>
+            </p:spPr>
+          </p:pic>
+        </p:grpSp>
+        <p:pic>
+          <p:nvPicPr>
+            <p:cNvPr id="11" name="Picture 10">
+              <a:extLst>
+                <a:ext uri="{FF2B5EF4-FFF2-40B4-BE49-F238E27FC236}">
+                  <a16:creationId xmlns:a16="http://schemas.microsoft.com/office/drawing/2014/main" id="{2A539BA1-301E-4784-AADE-47FF4E0D9D9B}"/>
+                </a:ext>
+              </a:extLst>
+            </p:cNvPr>
+            <p:cNvPicPr>
+              <a:picLocks noChangeAspect="1"/>
+            </p:cNvPicPr>
+            <p:nvPr/>
+          </p:nvPicPr>
+          <p:blipFill>
+            <a:blip r:embed="rId6"/>
+            <a:stretch>
+              <a:fillRect/>
+            </a:stretch>
+          </p:blipFill>
+          <p:spPr>
+            <a:xfrm>
+              <a:off x="4877077" y="3451940"/>
+              <a:ext cx="3819525" cy="476250"/>
+            </a:xfrm>
+            <a:prstGeom prst="rect">
+              <a:avLst/>
+            </a:prstGeom>
+          </p:spPr>
+        </p:pic>
+      </p:grpSp>
     </p:spTree>
+    <p:extLst>
+      <p:ext uri="{BB962C8B-B14F-4D97-AF65-F5344CB8AC3E}">
+        <p14:creationId xmlns:p14="http://schemas.microsoft.com/office/powerpoint/2010/main" val="3400804043"/>
+      </p:ext>
+    </p:extLst>
   </p:cSld>
   <p:clrMapOvr>
     <a:masterClrMapping/>
@@ -23840,7 +26230,7 @@
 </p:sld>
 </file>
 
-<file path=ppt/slides/slide5.xml><?xml version="1.0" encoding="utf-8"?>
+<file path=ppt/slides/slide9.xml><?xml version="1.0" encoding="utf-8"?>
 <p:sld xmlns:a="http://schemas.openxmlformats.org/drawingml/2006/main" xmlns:r="http://schemas.openxmlformats.org/officeDocument/2006/relationships" xmlns:p="http://schemas.openxmlformats.org/presentationml/2006/main">
   <p:cSld>
     <p:spTree>
@@ -23869,8 +26259,8 @@
         </p:nvSpPr>
         <p:spPr>
           <a:xfrm>
-            <a:off x="2626350" y="1888150"/>
-            <a:ext cx="3891300" cy="1159800"/>
+            <a:off x="2244384" y="1991850"/>
+            <a:ext cx="4655232" cy="1159800"/>
           </a:xfrm>
           <a:prstGeom prst="rect">
             <a:avLst/>
@@ -23893,732 +26283,9 @@
             </a:pPr>
             <a:r>
               <a:rPr lang="en-US" dirty="0"/>
-              <a:t>Scheduler Priority</a:t>
+              <a:t>After Interrupt Implementation</a:t>
             </a:r>
             <a:endParaRPr dirty="0"/>
-          </a:p>
-        </p:txBody>
-      </p:sp>
-    </p:spTree>
-  </p:cSld>
-  <p:clrMapOvr>
-    <a:masterClrMapping/>
-  </p:clrMapOvr>
-</p:sld>
-</file>
-
-<file path=ppt/slides/slide6.xml><?xml version="1.0" encoding="utf-8"?>
-<p:sld xmlns:a="http://schemas.openxmlformats.org/drawingml/2006/main" xmlns:r="http://schemas.openxmlformats.org/officeDocument/2006/relationships" xmlns:p="http://schemas.openxmlformats.org/presentationml/2006/main">
-  <p:cSld>
-    <p:spTree>
-      <p:nvGrpSpPr>
-        <p:cNvPr id="1" name=""/>
-        <p:cNvGrpSpPr/>
-        <p:nvPr/>
-      </p:nvGrpSpPr>
-      <p:grpSpPr>
-        <a:xfrm>
-          <a:off x="0" y="0"/>
-          <a:ext cx="0" cy="0"/>
-          <a:chOff x="0" y="0"/>
-          <a:chExt cx="0" cy="0"/>
-        </a:xfrm>
-      </p:grpSpPr>
-      <p:sp>
-        <p:nvSpPr>
-          <p:cNvPr id="2" name="Slide Number Placeholder 1">
-            <a:extLst>
-              <a:ext uri="{FF2B5EF4-FFF2-40B4-BE49-F238E27FC236}">
-                <a16:creationId xmlns:a16="http://schemas.microsoft.com/office/drawing/2014/main" id="{A451E203-F4F9-44DF-BF85-BA74706CD431}"/>
-              </a:ext>
-            </a:extLst>
-          </p:cNvPr>
-          <p:cNvSpPr>
-            <a:spLocks noGrp="1"/>
-          </p:cNvSpPr>
-          <p:nvPr>
-            <p:ph type="sldNum" idx="12"/>
-          </p:nvPr>
-        </p:nvSpPr>
-        <p:spPr/>
-        <p:txBody>
-          <a:bodyPr/>
-          <a:lstStyle/>
-          <a:p>
-            <a:pPr marL="0" lvl="0" indent="0" algn="ctr" rtl="0">
-              <a:spcBef>
-                <a:spcPts val="0"/>
-              </a:spcBef>
-              <a:spcAft>
-                <a:spcPts val="0"/>
-              </a:spcAft>
-              <a:buNone/>
-            </a:pPr>
-            <a:fld id="{00000000-1234-1234-1234-123412341234}" type="slidenum">
-              <a:rPr lang="en" smtClean="0"/>
-              <a:t>6</a:t>
-            </a:fld>
-            <a:endParaRPr lang="en"/>
-          </a:p>
-        </p:txBody>
-      </p:sp>
-      <p:sp>
-        <p:nvSpPr>
-          <p:cNvPr id="3" name="Title 2">
-            <a:extLst>
-              <a:ext uri="{FF2B5EF4-FFF2-40B4-BE49-F238E27FC236}">
-                <a16:creationId xmlns:a16="http://schemas.microsoft.com/office/drawing/2014/main" id="{ECC56601-2B52-403A-A5B1-FD806F8D175A}"/>
-              </a:ext>
-            </a:extLst>
-          </p:cNvPr>
-          <p:cNvSpPr>
-            <a:spLocks noGrp="1"/>
-          </p:cNvSpPr>
-          <p:nvPr>
-            <p:ph type="title"/>
-          </p:nvPr>
-        </p:nvSpPr>
-        <p:spPr/>
-        <p:txBody>
-          <a:bodyPr/>
-          <a:lstStyle/>
-          <a:p>
-            <a:r>
-              <a:rPr lang="en-US" dirty="0"/>
-              <a:t>Current Schedule Priority</a:t>
-            </a:r>
-          </a:p>
-        </p:txBody>
-      </p:sp>
-      <p:sp>
-        <p:nvSpPr>
-          <p:cNvPr id="4" name="Text Placeholder 3">
-            <a:extLst>
-              <a:ext uri="{FF2B5EF4-FFF2-40B4-BE49-F238E27FC236}">
-                <a16:creationId xmlns:a16="http://schemas.microsoft.com/office/drawing/2014/main" id="{B43F1F8B-7298-4E6C-B897-14A0AE4191DE}"/>
-              </a:ext>
-            </a:extLst>
-          </p:cNvPr>
-          <p:cNvSpPr>
-            <a:spLocks noGrp="1"/>
-          </p:cNvSpPr>
-          <p:nvPr>
-            <p:ph type="body" idx="1"/>
-          </p:nvPr>
-        </p:nvSpPr>
-        <p:spPr/>
-        <p:txBody>
-          <a:bodyPr/>
-          <a:lstStyle/>
-          <a:p>
-            <a:pPr>
-              <a:buClrTx/>
-              <a:buFont typeface="Arial" panose="020B0604020202020204" pitchFamily="34" charset="0"/>
-              <a:buChar char="•"/>
-            </a:pPr>
-            <a:r>
-              <a:rPr lang="en-US" sz="1800" dirty="0"/>
-              <a:t>Sch_basic.c - sch_loop()</a:t>
-            </a:r>
-          </a:p>
-          <a:p>
-            <a:pPr lvl="1">
-              <a:buClrTx/>
-              <a:buFont typeface="Arial" panose="020B0604020202020204" pitchFamily="34" charset="0"/>
-              <a:buChar char="•"/>
-            </a:pPr>
-            <a:r>
-              <a:rPr lang="en-US" sz="1800" dirty="0"/>
-              <a:t>Polled tasks – checks tasks in loop for hardware conditions</a:t>
-            </a:r>
-          </a:p>
-          <a:p>
-            <a:pPr lvl="1">
-              <a:buClrTx/>
-              <a:buFont typeface="Arial" panose="020B0604020202020204" pitchFamily="34" charset="0"/>
-              <a:buChar char="•"/>
-            </a:pPr>
-            <a:r>
-              <a:rPr lang="en-US" sz="1800" dirty="0"/>
-              <a:t>First scheduled, first checked, first executed</a:t>
-            </a:r>
-          </a:p>
-          <a:p>
-            <a:pPr lvl="1">
-              <a:buClrTx/>
-              <a:buFont typeface="Arial" panose="020B0604020202020204" pitchFamily="34" charset="0"/>
-              <a:buChar char="•"/>
-            </a:pPr>
-            <a:r>
-              <a:rPr lang="en-US" sz="1800" dirty="0"/>
-              <a:t>ADC ➡ UART Rx ➡UART Tx</a:t>
-            </a:r>
-          </a:p>
-        </p:txBody>
-      </p:sp>
-    </p:spTree>
-    <p:extLst>
-      <p:ext uri="{BB962C8B-B14F-4D97-AF65-F5344CB8AC3E}">
-        <p14:creationId xmlns:p14="http://schemas.microsoft.com/office/powerpoint/2010/main" val="3891600212"/>
-      </p:ext>
-    </p:extLst>
-  </p:cSld>
-  <p:clrMapOvr>
-    <a:masterClrMapping/>
-  </p:clrMapOvr>
-</p:sld>
-</file>
-
-<file path=ppt/slides/slide7.xml><?xml version="1.0" encoding="utf-8"?>
-<p:sld xmlns:a="http://schemas.openxmlformats.org/drawingml/2006/main" xmlns:r="http://schemas.openxmlformats.org/officeDocument/2006/relationships" xmlns:p="http://schemas.openxmlformats.org/presentationml/2006/main">
-  <p:cSld>
-    <p:spTree>
-      <p:nvGrpSpPr>
-        <p:cNvPr id="1" name=""/>
-        <p:cNvGrpSpPr/>
-        <p:nvPr/>
-      </p:nvGrpSpPr>
-      <p:grpSpPr>
-        <a:xfrm>
-          <a:off x="0" y="0"/>
-          <a:ext cx="0" cy="0"/>
-          <a:chOff x="0" y="0"/>
-          <a:chExt cx="0" cy="0"/>
-        </a:xfrm>
-      </p:grpSpPr>
-      <p:sp>
-        <p:nvSpPr>
-          <p:cNvPr id="2" name="Slide Number Placeholder 1">
-            <a:extLst>
-              <a:ext uri="{FF2B5EF4-FFF2-40B4-BE49-F238E27FC236}">
-                <a16:creationId xmlns:a16="http://schemas.microsoft.com/office/drawing/2014/main" id="{A451E203-F4F9-44DF-BF85-BA74706CD431}"/>
-              </a:ext>
-            </a:extLst>
-          </p:cNvPr>
-          <p:cNvSpPr>
-            <a:spLocks noGrp="1"/>
-          </p:cNvSpPr>
-          <p:nvPr>
-            <p:ph type="sldNum" idx="12"/>
-          </p:nvPr>
-        </p:nvSpPr>
-        <p:spPr/>
-        <p:txBody>
-          <a:bodyPr/>
-          <a:lstStyle/>
-          <a:p>
-            <a:pPr marL="0" lvl="0" indent="0" algn="ctr" rtl="0">
-              <a:spcBef>
-                <a:spcPts val="0"/>
-              </a:spcBef>
-              <a:spcAft>
-                <a:spcPts val="0"/>
-              </a:spcAft>
-              <a:buNone/>
-            </a:pPr>
-            <a:fld id="{00000000-1234-1234-1234-123412341234}" type="slidenum">
-              <a:rPr lang="en" smtClean="0"/>
-              <a:t>7</a:t>
-            </a:fld>
-            <a:endParaRPr lang="en"/>
-          </a:p>
-        </p:txBody>
-      </p:sp>
-      <p:sp>
-        <p:nvSpPr>
-          <p:cNvPr id="3" name="Title 2">
-            <a:extLst>
-              <a:ext uri="{FF2B5EF4-FFF2-40B4-BE49-F238E27FC236}">
-                <a16:creationId xmlns:a16="http://schemas.microsoft.com/office/drawing/2014/main" id="{ECC56601-2B52-403A-A5B1-FD806F8D175A}"/>
-              </a:ext>
-            </a:extLst>
-          </p:cNvPr>
-          <p:cNvSpPr>
-            <a:spLocks noGrp="1"/>
-          </p:cNvSpPr>
-          <p:nvPr>
-            <p:ph type="title"/>
-          </p:nvPr>
-        </p:nvSpPr>
-        <p:spPr/>
-        <p:txBody>
-          <a:bodyPr/>
-          <a:lstStyle/>
-          <a:p>
-            <a:r>
-              <a:rPr lang="en-US" dirty="0"/>
-              <a:t>Current Schedule Priority</a:t>
-            </a:r>
-          </a:p>
-        </p:txBody>
-      </p:sp>
-      <p:sp>
-        <p:nvSpPr>
-          <p:cNvPr id="4" name="Text Placeholder 3">
-            <a:extLst>
-              <a:ext uri="{FF2B5EF4-FFF2-40B4-BE49-F238E27FC236}">
-                <a16:creationId xmlns:a16="http://schemas.microsoft.com/office/drawing/2014/main" id="{B43F1F8B-7298-4E6C-B897-14A0AE4191DE}"/>
-              </a:ext>
-            </a:extLst>
-          </p:cNvPr>
-          <p:cNvSpPr>
-            <a:spLocks noGrp="1"/>
-          </p:cNvSpPr>
-          <p:nvPr>
-            <p:ph type="body" idx="1"/>
-          </p:nvPr>
-        </p:nvSpPr>
-        <p:spPr>
-          <a:xfrm>
-            <a:off x="457200" y="1657349"/>
-            <a:ext cx="5138700" cy="3304615"/>
-          </a:xfrm>
-        </p:spPr>
-        <p:txBody>
-          <a:bodyPr/>
-          <a:lstStyle/>
-          <a:p>
-            <a:pPr>
-              <a:buClrTx/>
-              <a:buFont typeface="Arial" panose="020B0604020202020204" pitchFamily="34" charset="0"/>
-              <a:buChar char="•"/>
-            </a:pPr>
-            <a:r>
-              <a:rPr lang="en-US" sz="1800" dirty="0"/>
-              <a:t>Tasks_lab_1.c - </a:t>
-            </a:r>
-            <a:r>
-              <a:rPr lang="en-US" sz="1800" dirty="0" err="1"/>
-              <a:t>sch_create_timeout</a:t>
-            </a:r>
-            <a:r>
-              <a:rPr lang="en-US" sz="1800" dirty="0"/>
-              <a:t>()</a:t>
-            </a:r>
-          </a:p>
-          <a:p>
-            <a:pPr lvl="1">
-              <a:buClrTx/>
-              <a:buFont typeface="Arial" panose="020B0604020202020204" pitchFamily="34" charset="0"/>
-              <a:buChar char="•"/>
-            </a:pPr>
-            <a:r>
-              <a:rPr lang="en-US" sz="1800" dirty="0"/>
-              <a:t>Based on tick timeout</a:t>
-            </a:r>
-          </a:p>
-          <a:p>
-            <a:pPr lvl="1">
-              <a:buClrTx/>
-              <a:buFont typeface="Arial" panose="020B0604020202020204" pitchFamily="34" charset="0"/>
-              <a:buChar char="•"/>
-            </a:pPr>
-            <a:r>
-              <a:rPr lang="en-US" sz="1800" dirty="0"/>
-              <a:t>Higher priority than polling loop</a:t>
-            </a:r>
-          </a:p>
-          <a:p>
-            <a:pPr lvl="1">
-              <a:buClrTx/>
-              <a:buFont typeface="Arial" panose="020B0604020202020204" pitchFamily="34" charset="0"/>
-              <a:buChar char="•"/>
-            </a:pPr>
-            <a:r>
-              <a:rPr lang="en-US" sz="1800" dirty="0"/>
-              <a:t>Every ~1s LED toggles</a:t>
-            </a:r>
-          </a:p>
-        </p:txBody>
-      </p:sp>
-    </p:spTree>
-    <p:extLst>
-      <p:ext uri="{BB962C8B-B14F-4D97-AF65-F5344CB8AC3E}">
-        <p14:creationId xmlns:p14="http://schemas.microsoft.com/office/powerpoint/2010/main" val="4087606915"/>
-      </p:ext>
-    </p:extLst>
-  </p:cSld>
-  <p:clrMapOvr>
-    <a:masterClrMapping/>
-  </p:clrMapOvr>
-</p:sld>
-</file>
-
-<file path=ppt/slides/slide8.xml><?xml version="1.0" encoding="utf-8"?>
-<p:sld xmlns:a="http://schemas.openxmlformats.org/drawingml/2006/main" xmlns:r="http://schemas.openxmlformats.org/officeDocument/2006/relationships" xmlns:p="http://schemas.openxmlformats.org/presentationml/2006/main">
-  <p:cSld>
-    <p:spTree>
-      <p:nvGrpSpPr>
-        <p:cNvPr id="1" name=""/>
-        <p:cNvGrpSpPr/>
-        <p:nvPr/>
-      </p:nvGrpSpPr>
-      <p:grpSpPr>
-        <a:xfrm>
-          <a:off x="0" y="0"/>
-          <a:ext cx="0" cy="0"/>
-          <a:chOff x="0" y="0"/>
-          <a:chExt cx="0" cy="0"/>
-        </a:xfrm>
-      </p:grpSpPr>
-      <p:sp>
-        <p:nvSpPr>
-          <p:cNvPr id="2" name="Slide Number Placeholder 1">
-            <a:extLst>
-              <a:ext uri="{FF2B5EF4-FFF2-40B4-BE49-F238E27FC236}">
-                <a16:creationId xmlns:a16="http://schemas.microsoft.com/office/drawing/2014/main" id="{352FB711-FF2F-4458-A992-5D67CC43A31E}"/>
-              </a:ext>
-            </a:extLst>
-          </p:cNvPr>
-          <p:cNvSpPr>
-            <a:spLocks noGrp="1"/>
-          </p:cNvSpPr>
-          <p:nvPr>
-            <p:ph type="sldNum" idx="12"/>
-          </p:nvPr>
-        </p:nvSpPr>
-        <p:spPr/>
-        <p:txBody>
-          <a:bodyPr/>
-          <a:lstStyle/>
-          <a:p>
-            <a:pPr marL="0" lvl="0" indent="0" algn="ctr" rtl="0">
-              <a:spcBef>
-                <a:spcPts val="0"/>
-              </a:spcBef>
-              <a:spcAft>
-                <a:spcPts val="0"/>
-              </a:spcAft>
-              <a:buNone/>
-            </a:pPr>
-            <a:fld id="{00000000-1234-1234-1234-123412341234}" type="slidenum">
-              <a:rPr lang="en" smtClean="0"/>
-              <a:t>8</a:t>
-            </a:fld>
-            <a:endParaRPr lang="en"/>
-          </a:p>
-        </p:txBody>
-      </p:sp>
-      <p:sp>
-        <p:nvSpPr>
-          <p:cNvPr id="11" name="Title 2">
-            <a:extLst>
-              <a:ext uri="{FF2B5EF4-FFF2-40B4-BE49-F238E27FC236}">
-                <a16:creationId xmlns:a16="http://schemas.microsoft.com/office/drawing/2014/main" id="{1E11305B-8495-47F3-8D3B-70C20BB5A2C2}"/>
-              </a:ext>
-            </a:extLst>
-          </p:cNvPr>
-          <p:cNvSpPr>
-            <a:spLocks noGrp="1"/>
-          </p:cNvSpPr>
-          <p:nvPr>
-            <p:ph type="title"/>
-          </p:nvPr>
-        </p:nvSpPr>
-        <p:spPr>
-          <a:xfrm>
-            <a:off x="457200" y="586975"/>
-            <a:ext cx="5138700" cy="857400"/>
-          </a:xfrm>
-        </p:spPr>
-        <p:txBody>
-          <a:bodyPr/>
-          <a:lstStyle/>
-          <a:p>
-            <a:r>
-              <a:rPr lang="en-US" dirty="0"/>
-              <a:t>Scheduling Approach</a:t>
-            </a:r>
-          </a:p>
-        </p:txBody>
-      </p:sp>
-      <p:sp>
-        <p:nvSpPr>
-          <p:cNvPr id="12" name="Text Placeholder 3">
-            <a:extLst>
-              <a:ext uri="{FF2B5EF4-FFF2-40B4-BE49-F238E27FC236}">
-                <a16:creationId xmlns:a16="http://schemas.microsoft.com/office/drawing/2014/main" id="{03058ACB-907F-4FEB-9FD5-EE0E20605C41}"/>
-              </a:ext>
-            </a:extLst>
-          </p:cNvPr>
-          <p:cNvSpPr>
-            <a:spLocks noGrp="1"/>
-          </p:cNvSpPr>
-          <p:nvPr>
-            <p:ph type="body" idx="1"/>
-          </p:nvPr>
-        </p:nvSpPr>
-        <p:spPr>
-          <a:xfrm>
-            <a:off x="457200" y="1630456"/>
-            <a:ext cx="5138700" cy="3180900"/>
-          </a:xfrm>
-        </p:spPr>
-        <p:txBody>
-          <a:bodyPr/>
-          <a:lstStyle/>
-          <a:p>
-            <a:pPr>
-              <a:buClrTx/>
-              <a:buFont typeface="Arial" panose="020B0604020202020204" pitchFamily="34" charset="0"/>
-              <a:buChar char="•"/>
-            </a:pPr>
-            <a:r>
-              <a:rPr lang="en-US" sz="1600" dirty="0"/>
-              <a:t>Asynchronous events handled by hardware interrupts</a:t>
-            </a:r>
-          </a:p>
-          <a:p>
-            <a:pPr lvl="1">
-              <a:buClrTx/>
-              <a:buFont typeface="Arial" panose="020B0604020202020204" pitchFamily="34" charset="0"/>
-              <a:buChar char="•"/>
-            </a:pPr>
-            <a:r>
-              <a:rPr lang="en-US" sz="1600" i="1" dirty="0" err="1"/>
-              <a:t>HAL_GPIO_EXTI_Callback</a:t>
-            </a:r>
-            <a:r>
-              <a:rPr lang="en-US" sz="1600" i="1" dirty="0"/>
-              <a:t>();</a:t>
-            </a:r>
-          </a:p>
-          <a:p>
-            <a:pPr lvl="1">
-              <a:buClrTx/>
-              <a:buFont typeface="Arial" panose="020B0604020202020204" pitchFamily="34" charset="0"/>
-              <a:buChar char="•"/>
-            </a:pPr>
-            <a:r>
-              <a:rPr lang="en-US" sz="1600" dirty="0"/>
-              <a:t>Break tasks into priority groups</a:t>
-            </a:r>
-          </a:p>
-          <a:p>
-            <a:pPr lvl="2">
-              <a:buClrTx/>
-              <a:buFont typeface="Arial" panose="020B0604020202020204" pitchFamily="34" charset="0"/>
-              <a:buChar char="•"/>
-            </a:pPr>
-            <a:r>
-              <a:rPr lang="en-US" sz="1600" i="1" dirty="0" err="1"/>
-              <a:t>HAL_NVIC_SetPriority</a:t>
-            </a:r>
-            <a:r>
-              <a:rPr lang="en-US" sz="1600" i="1" dirty="0"/>
-              <a:t>() </a:t>
-            </a:r>
-            <a:r>
-              <a:rPr lang="en-US" sz="1600" dirty="0"/>
-              <a:t>: 0 to 15</a:t>
-            </a:r>
-          </a:p>
-          <a:p>
-            <a:pPr lvl="2">
-              <a:buClrTx/>
-              <a:buFont typeface="Arial" panose="020B0604020202020204" pitchFamily="34" charset="0"/>
-              <a:buChar char="•"/>
-            </a:pPr>
-            <a:r>
-              <a:rPr lang="en-US" sz="1600" dirty="0"/>
-              <a:t>If multiple asynchronous interrupts occur at same time, highest priority gets completed first</a:t>
-            </a:r>
-          </a:p>
-        </p:txBody>
-      </p:sp>
-    </p:spTree>
-    <p:extLst>
-      <p:ext uri="{BB962C8B-B14F-4D97-AF65-F5344CB8AC3E}">
-        <p14:creationId xmlns:p14="http://schemas.microsoft.com/office/powerpoint/2010/main" val="2994522453"/>
-      </p:ext>
-    </p:extLst>
-  </p:cSld>
-  <p:clrMapOvr>
-    <a:masterClrMapping/>
-  </p:clrMapOvr>
-</p:sld>
-</file>
-
-<file path=ppt/slides/slide9.xml><?xml version="1.0" encoding="utf-8"?>
-<p:sld xmlns:a="http://schemas.openxmlformats.org/drawingml/2006/main" xmlns:r="http://schemas.openxmlformats.org/officeDocument/2006/relationships" xmlns:p="http://schemas.openxmlformats.org/presentationml/2006/main">
-  <p:cSld>
-    <p:spTree>
-      <p:nvGrpSpPr>
-        <p:cNvPr id="1" name="Shape 306"/>
-        <p:cNvGrpSpPr/>
-        <p:nvPr/>
-      </p:nvGrpSpPr>
-      <p:grpSpPr>
-        <a:xfrm>
-          <a:off x="0" y="0"/>
-          <a:ext cx="0" cy="0"/>
-          <a:chOff x="0" y="0"/>
-          <a:chExt cx="0" cy="0"/>
-        </a:xfrm>
-      </p:grpSpPr>
-      <p:sp>
-        <p:nvSpPr>
-          <p:cNvPr id="307" name="Google Shape;307;p21"/>
-          <p:cNvSpPr txBox="1">
-            <a:spLocks noGrp="1"/>
-          </p:cNvSpPr>
-          <p:nvPr>
-            <p:ph type="title"/>
-          </p:nvPr>
-        </p:nvSpPr>
-        <p:spPr>
-          <a:xfrm>
-            <a:off x="457200" y="586975"/>
-            <a:ext cx="5138700" cy="857400"/>
-          </a:xfrm>
-          <a:prstGeom prst="rect">
-            <a:avLst/>
-          </a:prstGeom>
-        </p:spPr>
-        <p:txBody>
-          <a:bodyPr spcFirstLastPara="1" wrap="square" lIns="91425" tIns="91425" rIns="91425" bIns="91425" anchor="b" anchorCtr="0">
-            <a:noAutofit/>
-          </a:bodyPr>
-          <a:lstStyle/>
-          <a:p>
-            <a:pPr marL="0" lvl="0" indent="0" algn="l" rtl="0">
-              <a:spcBef>
-                <a:spcPts val="0"/>
-              </a:spcBef>
-              <a:spcAft>
-                <a:spcPts val="0"/>
-              </a:spcAft>
-              <a:buNone/>
-            </a:pPr>
-            <a:r>
-              <a:rPr lang="en" dirty="0"/>
-              <a:t>Scheduling Approach</a:t>
-            </a:r>
-            <a:endParaRPr dirty="0"/>
-          </a:p>
-        </p:txBody>
-      </p:sp>
-      <p:sp>
-        <p:nvSpPr>
-          <p:cNvPr id="308" name="Google Shape;308;p21"/>
-          <p:cNvSpPr txBox="1">
-            <a:spLocks noGrp="1"/>
-          </p:cNvSpPr>
-          <p:nvPr>
-            <p:ph type="body" idx="1"/>
-          </p:nvPr>
-        </p:nvSpPr>
-        <p:spPr>
-          <a:xfrm>
-            <a:off x="457199" y="1661575"/>
-            <a:ext cx="5385547" cy="3055200"/>
-          </a:xfrm>
-          <a:prstGeom prst="rect">
-            <a:avLst/>
-          </a:prstGeom>
-        </p:spPr>
-        <p:txBody>
-          <a:bodyPr spcFirstLastPara="1" wrap="square" lIns="91425" tIns="91425" rIns="91425" bIns="91425" anchor="t" anchorCtr="0">
-            <a:noAutofit/>
-          </a:bodyPr>
-          <a:lstStyle/>
-          <a:p>
-            <a:pPr>
-              <a:buClrTx/>
-              <a:buFont typeface="Arial" panose="020B0604020202020204" pitchFamily="34" charset="0"/>
-              <a:buChar char="•"/>
-            </a:pPr>
-            <a:r>
-              <a:rPr lang="en-US" sz="1600" dirty="0"/>
-              <a:t>Synchronous events / periodic tasks handled by timer interrupts</a:t>
-            </a:r>
-          </a:p>
-          <a:p>
-            <a:pPr lvl="1">
-              <a:buClrTx/>
-              <a:buFont typeface="Arial" panose="020B0604020202020204" pitchFamily="34" charset="0"/>
-              <a:buChar char="•"/>
-            </a:pPr>
-            <a:r>
-              <a:rPr lang="en-US" sz="1600" dirty="0"/>
-              <a:t>Set up timer with interrupt at each period time</a:t>
-            </a:r>
-          </a:p>
-          <a:p>
-            <a:pPr lvl="1">
-              <a:buClrTx/>
-              <a:buFont typeface="Arial" panose="020B0604020202020204" pitchFamily="34" charset="0"/>
-              <a:buChar char="•"/>
-            </a:pPr>
-            <a:r>
-              <a:rPr lang="en-US" sz="1600" dirty="0"/>
-              <a:t>Set </a:t>
-            </a:r>
-            <a:r>
-              <a:rPr lang="en-US" sz="1600" i="1" dirty="0" err="1"/>
-              <a:t>HAL_TIM_Period_ElapsedCallback</a:t>
-            </a:r>
-            <a:r>
-              <a:rPr lang="en-US" sz="1600" i="1" dirty="0"/>
-              <a:t>() </a:t>
-            </a:r>
-            <a:r>
-              <a:rPr lang="en-US" sz="1600" dirty="0"/>
-              <a:t>to process</a:t>
-            </a:r>
-          </a:p>
-          <a:p>
-            <a:pPr lvl="1">
-              <a:buClrTx/>
-              <a:buFont typeface="Arial" panose="020B0604020202020204" pitchFamily="34" charset="0"/>
-              <a:buChar char="•"/>
-            </a:pPr>
-            <a:r>
-              <a:rPr lang="en-US" sz="1600" dirty="0"/>
-              <a:t>Will need the period of all synchronous / periodic tasks</a:t>
-            </a:r>
-          </a:p>
-        </p:txBody>
-      </p:sp>
-      <p:sp>
-        <p:nvSpPr>
-          <p:cNvPr id="311" name="Google Shape;311;p21"/>
-          <p:cNvSpPr txBox="1">
-            <a:spLocks noGrp="1"/>
-          </p:cNvSpPr>
-          <p:nvPr>
-            <p:ph type="sldNum" idx="12"/>
-          </p:nvPr>
-        </p:nvSpPr>
-        <p:spPr>
-          <a:xfrm>
-            <a:off x="8808000" y="2208175"/>
-            <a:ext cx="336000" cy="727200"/>
-          </a:xfrm>
-          <a:prstGeom prst="rect">
-            <a:avLst/>
-          </a:prstGeom>
-        </p:spPr>
-        <p:txBody>
-          <a:bodyPr spcFirstLastPara="1" wrap="square" lIns="91425" tIns="91425" rIns="91425" bIns="91425" anchor="ctr" anchorCtr="0">
-            <a:noAutofit/>
-          </a:bodyPr>
-          <a:lstStyle/>
-          <a:p>
-            <a:pPr marL="0" lvl="0" indent="0" algn="ctr" rtl="0">
-              <a:spcBef>
-                <a:spcPts val="0"/>
-              </a:spcBef>
-              <a:spcAft>
-                <a:spcPts val="0"/>
-              </a:spcAft>
-              <a:buNone/>
-            </a:pPr>
-            <a:fld id="{00000000-1234-1234-1234-123412341234}" type="slidenum">
-              <a:rPr lang="en"/>
-              <a:t>9</a:t>
-            </a:fld>
-            <a:endParaRPr/>
           </a:p>
         </p:txBody>
       </p:sp>
